--- a/Licenta2020PamintAdelin/PublicTransportMonitor - Prezentare.pptx
+++ b/Licenta2020PamintAdelin/PublicTransportMonitor - Prezentare.pptx
@@ -1,22 +1,37 @@
 
 <file path=ppt/presentation.xml><?xml version="1.0" encoding="utf-8"?>
-<p:presentation xmlns:a="http://schemas.openxmlformats.org/drawingml/2006/main" xmlns:r="http://schemas.openxmlformats.org/officeDocument/2006/relationships" xmlns:p="http://schemas.openxmlformats.org/presentationml/2006/main" showSpecialPlsOnTitleSld="0" saveSubsetFonts="1">
+<p:presentation xmlns:a="http://schemas.openxmlformats.org/drawingml/2006/main" xmlns:r="http://schemas.openxmlformats.org/officeDocument/2006/relationships" xmlns:p="http://schemas.openxmlformats.org/presentationml/2006/main" saveSubsetFonts="1">
   <p:sldMasterIdLst>
     <p:sldMasterId id="2147483824" r:id="rId1"/>
   </p:sldMasterIdLst>
-  <p:notesMasterIdLst>
-    <p:notesMasterId r:id="rId11"/>
-  </p:notesMasterIdLst>
   <p:sldIdLst>
     <p:sldId id="256" r:id="rId2"/>
     <p:sldId id="257" r:id="rId3"/>
     <p:sldId id="258" r:id="rId4"/>
     <p:sldId id="259" r:id="rId5"/>
-    <p:sldId id="260" r:id="rId6"/>
-    <p:sldId id="261" r:id="rId7"/>
-    <p:sldId id="263" r:id="rId8"/>
-    <p:sldId id="264" r:id="rId9"/>
-    <p:sldId id="262" r:id="rId10"/>
+    <p:sldId id="265" r:id="rId6"/>
+    <p:sldId id="266" r:id="rId7"/>
+    <p:sldId id="267" r:id="rId8"/>
+    <p:sldId id="268" r:id="rId9"/>
+    <p:sldId id="269" r:id="rId10"/>
+    <p:sldId id="270" r:id="rId11"/>
+    <p:sldId id="271" r:id="rId12"/>
+    <p:sldId id="272" r:id="rId13"/>
+    <p:sldId id="260" r:id="rId14"/>
+    <p:sldId id="273" r:id="rId15"/>
+    <p:sldId id="274" r:id="rId16"/>
+    <p:sldId id="275" r:id="rId17"/>
+    <p:sldId id="276" r:id="rId18"/>
+    <p:sldId id="277" r:id="rId19"/>
+    <p:sldId id="278" r:id="rId20"/>
+    <p:sldId id="261" r:id="rId21"/>
+    <p:sldId id="279" r:id="rId22"/>
+    <p:sldId id="280" r:id="rId23"/>
+    <p:sldId id="281" r:id="rId24"/>
+    <p:sldId id="282" r:id="rId25"/>
+    <p:sldId id="283" r:id="rId26"/>
+    <p:sldId id="264" r:id="rId27"/>
+    <p:sldId id="262" r:id="rId28"/>
   </p:sldIdLst>
   <p:sldSz cx="12192000" cy="6858000"/>
   <p:notesSz cx="6858000" cy="9144000"/>
@@ -121,355 +136,6 @@
     </p:ext>
   </p:extLst>
 </p:presentation>
-</file>
-
-<file path=ppt/notesMasters/notesMaster1.xml><?xml version="1.0" encoding="utf-8"?>
-<p:notesMaster xmlns:a="http://schemas.openxmlformats.org/drawingml/2006/main" xmlns:r="http://schemas.openxmlformats.org/officeDocument/2006/relationships" xmlns:p="http://schemas.openxmlformats.org/presentationml/2006/main">
-  <p:cSld>
-    <p:bg>
-      <p:bgRef idx="1001">
-        <a:schemeClr val="bg1"/>
-      </p:bgRef>
-    </p:bg>
-    <p:spTree>
-      <p:nvGrpSpPr>
-        <p:cNvPr id="1" name=""/>
-        <p:cNvGrpSpPr/>
-        <p:nvPr/>
-      </p:nvGrpSpPr>
-      <p:grpSpPr>
-        <a:xfrm>
-          <a:off x="0" y="0"/>
-          <a:ext cx="0" cy="0"/>
-          <a:chOff x="0" y="0"/>
-          <a:chExt cx="0" cy="0"/>
-        </a:xfrm>
-      </p:grpSpPr>
-      <p:sp>
-        <p:nvSpPr>
-          <p:cNvPr id="2" name="Header Placeholder 1"/>
-          <p:cNvSpPr>
-            <a:spLocks noGrp="1"/>
-          </p:cNvSpPr>
-          <p:nvPr>
-            <p:ph type="hdr" sz="quarter"/>
-          </p:nvPr>
-        </p:nvSpPr>
-        <p:spPr>
-          <a:xfrm>
-            <a:off x="0" y="0"/>
-            <a:ext cx="2971800" cy="458788"/>
-          </a:xfrm>
-          <a:prstGeom prst="rect">
-            <a:avLst/>
-          </a:prstGeom>
-        </p:spPr>
-        <p:txBody>
-          <a:bodyPr vert="horz" lIns="91440" tIns="45720" rIns="91440" bIns="45720" rtlCol="0"/>
-          <a:lstStyle>
-            <a:lvl1pPr algn="l">
-              <a:defRPr sz="1200"/>
-            </a:lvl1pPr>
-          </a:lstStyle>
-          <a:p>
-            <a:endParaRPr lang="en-US"/>
-          </a:p>
-        </p:txBody>
-      </p:sp>
-      <p:sp>
-        <p:nvSpPr>
-          <p:cNvPr id="3" name="Date Placeholder 2"/>
-          <p:cNvSpPr>
-            <a:spLocks noGrp="1"/>
-          </p:cNvSpPr>
-          <p:nvPr>
-            <p:ph type="dt" idx="1"/>
-          </p:nvPr>
-        </p:nvSpPr>
-        <p:spPr>
-          <a:xfrm>
-            <a:off x="3884613" y="0"/>
-            <a:ext cx="2971800" cy="458788"/>
-          </a:xfrm>
-          <a:prstGeom prst="rect">
-            <a:avLst/>
-          </a:prstGeom>
-        </p:spPr>
-        <p:txBody>
-          <a:bodyPr vert="horz" lIns="91440" tIns="45720" rIns="91440" bIns="45720" rtlCol="0"/>
-          <a:lstStyle>
-            <a:lvl1pPr algn="r">
-              <a:defRPr sz="1200"/>
-            </a:lvl1pPr>
-          </a:lstStyle>
-          <a:p>
-            <a:fld id="{F49848C9-8D1F-4AFE-8B79-896D1D808C4F}" type="datetimeFigureOut">
-              <a:rPr lang="en-US" smtClean="0"/>
-              <a:t>05-Feb-20</a:t>
-            </a:fld>
-            <a:endParaRPr lang="en-US"/>
-          </a:p>
-        </p:txBody>
-      </p:sp>
-      <p:sp>
-        <p:nvSpPr>
-          <p:cNvPr id="4" name="Slide Image Placeholder 3"/>
-          <p:cNvSpPr>
-            <a:spLocks noGrp="1" noRot="1" noChangeAspect="1"/>
-          </p:cNvSpPr>
-          <p:nvPr>
-            <p:ph type="sldImg" idx="2"/>
-          </p:nvPr>
-        </p:nvSpPr>
-        <p:spPr>
-          <a:xfrm>
-            <a:off x="685800" y="1143000"/>
-            <a:ext cx="5486400" cy="3086100"/>
-          </a:xfrm>
-          <a:prstGeom prst="rect">
-            <a:avLst/>
-          </a:prstGeom>
-          <a:noFill/>
-          <a:ln w="12700">
-            <a:solidFill>
-              <a:prstClr val="black"/>
-            </a:solidFill>
-          </a:ln>
-        </p:spPr>
-        <p:txBody>
-          <a:bodyPr vert="horz" lIns="91440" tIns="45720" rIns="91440" bIns="45720" rtlCol="0" anchor="ctr"/>
-          <a:lstStyle/>
-          <a:p>
-            <a:endParaRPr lang="en-US"/>
-          </a:p>
-        </p:txBody>
-      </p:sp>
-      <p:sp>
-        <p:nvSpPr>
-          <p:cNvPr id="5" name="Notes Placeholder 4"/>
-          <p:cNvSpPr>
-            <a:spLocks noGrp="1"/>
-          </p:cNvSpPr>
-          <p:nvPr>
-            <p:ph type="body" sz="quarter" idx="3"/>
-          </p:nvPr>
-        </p:nvSpPr>
-        <p:spPr>
-          <a:xfrm>
-            <a:off x="685800" y="4400550"/>
-            <a:ext cx="5486400" cy="3600450"/>
-          </a:xfrm>
-          <a:prstGeom prst="rect">
-            <a:avLst/>
-          </a:prstGeom>
-        </p:spPr>
-        <p:txBody>
-          <a:bodyPr vert="horz" lIns="91440" tIns="45720" rIns="91440" bIns="45720" rtlCol="0"/>
-          <a:lstStyle/>
-          <a:p>
-            <a:pPr lvl="0"/>
-            <a:r>
-              <a:rPr lang="en-US"/>
-              <a:t>Click to edit Master text styles</a:t>
-            </a:r>
-          </a:p>
-          <a:p>
-            <a:pPr lvl="1"/>
-            <a:r>
-              <a:rPr lang="en-US"/>
-              <a:t>Second level</a:t>
-            </a:r>
-          </a:p>
-          <a:p>
-            <a:pPr lvl="2"/>
-            <a:r>
-              <a:rPr lang="en-US"/>
-              <a:t>Third level</a:t>
-            </a:r>
-          </a:p>
-          <a:p>
-            <a:pPr lvl="3"/>
-            <a:r>
-              <a:rPr lang="en-US"/>
-              <a:t>Fourth level</a:t>
-            </a:r>
-          </a:p>
-          <a:p>
-            <a:pPr lvl="4"/>
-            <a:r>
-              <a:rPr lang="en-US"/>
-              <a:t>Fifth level</a:t>
-            </a:r>
-          </a:p>
-        </p:txBody>
-      </p:sp>
-      <p:sp>
-        <p:nvSpPr>
-          <p:cNvPr id="6" name="Footer Placeholder 5"/>
-          <p:cNvSpPr>
-            <a:spLocks noGrp="1"/>
-          </p:cNvSpPr>
-          <p:nvPr>
-            <p:ph type="ftr" sz="quarter" idx="4"/>
-          </p:nvPr>
-        </p:nvSpPr>
-        <p:spPr>
-          <a:xfrm>
-            <a:off x="0" y="8685213"/>
-            <a:ext cx="2971800" cy="458787"/>
-          </a:xfrm>
-          <a:prstGeom prst="rect">
-            <a:avLst/>
-          </a:prstGeom>
-        </p:spPr>
-        <p:txBody>
-          <a:bodyPr vert="horz" lIns="91440" tIns="45720" rIns="91440" bIns="45720" rtlCol="0" anchor="b"/>
-          <a:lstStyle>
-            <a:lvl1pPr algn="l">
-              <a:defRPr sz="1200"/>
-            </a:lvl1pPr>
-          </a:lstStyle>
-          <a:p>
-            <a:endParaRPr lang="en-US"/>
-          </a:p>
-        </p:txBody>
-      </p:sp>
-      <p:sp>
-        <p:nvSpPr>
-          <p:cNvPr id="7" name="Slide Number Placeholder 6"/>
-          <p:cNvSpPr>
-            <a:spLocks noGrp="1"/>
-          </p:cNvSpPr>
-          <p:nvPr>
-            <p:ph type="sldNum" sz="quarter" idx="5"/>
-          </p:nvPr>
-        </p:nvSpPr>
-        <p:spPr>
-          <a:xfrm>
-            <a:off x="3884613" y="8685213"/>
-            <a:ext cx="2971800" cy="458787"/>
-          </a:xfrm>
-          <a:prstGeom prst="rect">
-            <a:avLst/>
-          </a:prstGeom>
-        </p:spPr>
-        <p:txBody>
-          <a:bodyPr vert="horz" lIns="91440" tIns="45720" rIns="91440" bIns="45720" rtlCol="0" anchor="b"/>
-          <a:lstStyle>
-            <a:lvl1pPr algn="r">
-              <a:defRPr sz="1200"/>
-            </a:lvl1pPr>
-          </a:lstStyle>
-          <a:p>
-            <a:fld id="{4520A4C6-B6E5-43DD-B033-E44A2A516AF2}" type="slidenum">
-              <a:rPr lang="en-US" smtClean="0"/>
-              <a:t>‹#›</a:t>
-            </a:fld>
-            <a:endParaRPr lang="en-US"/>
-          </a:p>
-        </p:txBody>
-      </p:sp>
-    </p:spTree>
-    <p:extLst>
-      <p:ext uri="{BB962C8B-B14F-4D97-AF65-F5344CB8AC3E}">
-        <p14:creationId xmlns:p14="http://schemas.microsoft.com/office/powerpoint/2010/main" val="3195469670"/>
-      </p:ext>
-    </p:extLst>
-  </p:cSld>
-  <p:clrMap bg1="lt1" tx1="dk1" bg2="lt2" tx2="dk2" accent1="accent1" accent2="accent2" accent3="accent3" accent4="accent4" accent5="accent5" accent6="accent6" hlink="hlink" folHlink="folHlink"/>
-  <p:notesStyle>
-    <a:lvl1pPr marL="0" algn="l" defTabSz="914400" rtl="0" eaLnBrk="1" latinLnBrk="0" hangingPunct="1">
-      <a:defRPr sz="1200" kern="1200">
-        <a:solidFill>
-          <a:schemeClr val="tx1"/>
-        </a:solidFill>
-        <a:latin typeface="+mn-lt"/>
-        <a:ea typeface="+mn-ea"/>
-        <a:cs typeface="+mn-cs"/>
-      </a:defRPr>
-    </a:lvl1pPr>
-    <a:lvl2pPr marL="457200" algn="l" defTabSz="914400" rtl="0" eaLnBrk="1" latinLnBrk="0" hangingPunct="1">
-      <a:defRPr sz="1200" kern="1200">
-        <a:solidFill>
-          <a:schemeClr val="tx1"/>
-        </a:solidFill>
-        <a:latin typeface="+mn-lt"/>
-        <a:ea typeface="+mn-ea"/>
-        <a:cs typeface="+mn-cs"/>
-      </a:defRPr>
-    </a:lvl2pPr>
-    <a:lvl3pPr marL="914400" algn="l" defTabSz="914400" rtl="0" eaLnBrk="1" latinLnBrk="0" hangingPunct="1">
-      <a:defRPr sz="1200" kern="1200">
-        <a:solidFill>
-          <a:schemeClr val="tx1"/>
-        </a:solidFill>
-        <a:latin typeface="+mn-lt"/>
-        <a:ea typeface="+mn-ea"/>
-        <a:cs typeface="+mn-cs"/>
-      </a:defRPr>
-    </a:lvl3pPr>
-    <a:lvl4pPr marL="1371600" algn="l" defTabSz="914400" rtl="0" eaLnBrk="1" latinLnBrk="0" hangingPunct="1">
-      <a:defRPr sz="1200" kern="1200">
-        <a:solidFill>
-          <a:schemeClr val="tx1"/>
-        </a:solidFill>
-        <a:latin typeface="+mn-lt"/>
-        <a:ea typeface="+mn-ea"/>
-        <a:cs typeface="+mn-cs"/>
-      </a:defRPr>
-    </a:lvl4pPr>
-    <a:lvl5pPr marL="1828800" algn="l" defTabSz="914400" rtl="0" eaLnBrk="1" latinLnBrk="0" hangingPunct="1">
-      <a:defRPr sz="1200" kern="1200">
-        <a:solidFill>
-          <a:schemeClr val="tx1"/>
-        </a:solidFill>
-        <a:latin typeface="+mn-lt"/>
-        <a:ea typeface="+mn-ea"/>
-        <a:cs typeface="+mn-cs"/>
-      </a:defRPr>
-    </a:lvl5pPr>
-    <a:lvl6pPr marL="2286000" algn="l" defTabSz="914400" rtl="0" eaLnBrk="1" latinLnBrk="0" hangingPunct="1">
-      <a:defRPr sz="1200" kern="1200">
-        <a:solidFill>
-          <a:schemeClr val="tx1"/>
-        </a:solidFill>
-        <a:latin typeface="+mn-lt"/>
-        <a:ea typeface="+mn-ea"/>
-        <a:cs typeface="+mn-cs"/>
-      </a:defRPr>
-    </a:lvl6pPr>
-    <a:lvl7pPr marL="2743200" algn="l" defTabSz="914400" rtl="0" eaLnBrk="1" latinLnBrk="0" hangingPunct="1">
-      <a:defRPr sz="1200" kern="1200">
-        <a:solidFill>
-          <a:schemeClr val="tx1"/>
-        </a:solidFill>
-        <a:latin typeface="+mn-lt"/>
-        <a:ea typeface="+mn-ea"/>
-        <a:cs typeface="+mn-cs"/>
-      </a:defRPr>
-    </a:lvl7pPr>
-    <a:lvl8pPr marL="3200400" algn="l" defTabSz="914400" rtl="0" eaLnBrk="1" latinLnBrk="0" hangingPunct="1">
-      <a:defRPr sz="1200" kern="1200">
-        <a:solidFill>
-          <a:schemeClr val="tx1"/>
-        </a:solidFill>
-        <a:latin typeface="+mn-lt"/>
-        <a:ea typeface="+mn-ea"/>
-        <a:cs typeface="+mn-cs"/>
-      </a:defRPr>
-    </a:lvl8pPr>
-    <a:lvl9pPr marL="3657600" algn="l" defTabSz="914400" rtl="0" eaLnBrk="1" latinLnBrk="0" hangingPunct="1">
-      <a:defRPr sz="1200" kern="1200">
-        <a:solidFill>
-          <a:schemeClr val="tx1"/>
-        </a:solidFill>
-        <a:latin typeface="+mn-lt"/>
-        <a:ea typeface="+mn-ea"/>
-        <a:cs typeface="+mn-cs"/>
-      </a:defRPr>
-    </a:lvl9pPr>
-  </p:notesStyle>
-</p:notesMaster>
 </file>
 
 <file path=ppt/slideLayouts/slideLayout1.xml><?xml version="1.0" encoding="utf-8"?>
@@ -1192,9 +858,9 @@
           <a:bodyPr/>
           <a:lstStyle/>
           <a:p>
-            <a:fld id="{E5665505-C89D-434E-AD23-D86D0AD7210B}" type="datetime1">
+            <a:fld id="{5A2EBF76-EF01-41C8-90CF-C2A78F0BD228}" type="datetimeFigureOut">
               <a:rPr lang="en-US" smtClean="0"/>
-              <a:t>05-Feb-20</a:t>
+              <a:t>12-Feb-20</a:t>
             </a:fld>
             <a:endParaRPr lang="en-US"/>
           </a:p>
@@ -1448,9 +1114,9 @@
           <a:bodyPr/>
           <a:lstStyle/>
           <a:p>
-            <a:fld id="{82DFD830-5DA0-44C3-88BE-AEE1125A6E13}" type="datetime1">
+            <a:fld id="{5A2EBF76-EF01-41C8-90CF-C2A78F0BD228}" type="datetimeFigureOut">
               <a:rPr lang="en-US" smtClean="0"/>
-              <a:t>05-Feb-20</a:t>
+              <a:t>12-Feb-20</a:t>
             </a:fld>
             <a:endParaRPr lang="en-US"/>
           </a:p>
@@ -1762,9 +1428,9 @@
           <a:bodyPr/>
           <a:lstStyle/>
           <a:p>
-            <a:fld id="{EC9E40D3-80A7-4DA5-B0D6-F7D68AD830B0}" type="datetime1">
+            <a:fld id="{5A2EBF76-EF01-41C8-90CF-C2A78F0BD228}" type="datetimeFigureOut">
               <a:rPr lang="en-US" smtClean="0"/>
-              <a:t>05-Feb-20</a:t>
+              <a:t>12-Feb-20</a:t>
             </a:fld>
             <a:endParaRPr lang="en-US"/>
           </a:p>
@@ -2103,9 +1769,9 @@
           <a:bodyPr/>
           <a:lstStyle/>
           <a:p>
-            <a:fld id="{73871B8F-1724-4583-A0A5-9C8D3144ED5C}" type="datetime1">
+            <a:fld id="{5A2EBF76-EF01-41C8-90CF-C2A78F0BD228}" type="datetimeFigureOut">
               <a:rPr lang="en-US" smtClean="0"/>
-              <a:t>05-Feb-20</a:t>
+              <a:t>12-Feb-20</a:t>
             </a:fld>
             <a:endParaRPr lang="en-US"/>
           </a:p>
@@ -2417,9 +2083,9 @@
           <a:bodyPr/>
           <a:lstStyle/>
           <a:p>
-            <a:fld id="{E3F4007F-8D64-4CED-8310-01868FDA2F26}" type="datetime1">
+            <a:fld id="{5A2EBF76-EF01-41C8-90CF-C2A78F0BD228}" type="datetimeFigureOut">
               <a:rPr lang="en-US" smtClean="0"/>
-              <a:t>05-Feb-20</a:t>
+              <a:t>12-Feb-20</a:t>
             </a:fld>
             <a:endParaRPr lang="en-US"/>
           </a:p>
@@ -2810,9 +2476,9 @@
           <a:bodyPr/>
           <a:lstStyle/>
           <a:p>
-            <a:fld id="{5B2255F1-35CB-4C1F-866A-D9F832D37860}" type="datetime1">
+            <a:fld id="{5A2EBF76-EF01-41C8-90CF-C2A78F0BD228}" type="datetimeFigureOut">
               <a:rPr lang="en-US" smtClean="0"/>
-              <a:t>05-Feb-20</a:t>
+              <a:t>12-Feb-20</a:t>
             </a:fld>
             <a:endParaRPr lang="en-US"/>
           </a:p>
@@ -2980,9 +2646,9 @@
           <a:bodyPr/>
           <a:lstStyle/>
           <a:p>
-            <a:fld id="{FFB97E01-A95D-4192-AC87-60CF77D0C16F}" type="datetime1">
+            <a:fld id="{5A2EBF76-EF01-41C8-90CF-C2A78F0BD228}" type="datetimeFigureOut">
               <a:rPr lang="en-US" smtClean="0"/>
-              <a:t>05-Feb-20</a:t>
+              <a:t>12-Feb-20</a:t>
             </a:fld>
             <a:endParaRPr lang="en-US"/>
           </a:p>
@@ -3160,9 +2826,9 @@
           <a:bodyPr/>
           <a:lstStyle/>
           <a:p>
-            <a:fld id="{B12649E1-5FF0-4E6B-B3DE-B94DD534CC22}" type="datetime1">
+            <a:fld id="{5A2EBF76-EF01-41C8-90CF-C2A78F0BD228}" type="datetimeFigureOut">
               <a:rPr lang="en-US" smtClean="0"/>
-              <a:t>05-Feb-20</a:t>
+              <a:t>12-Feb-20</a:t>
             </a:fld>
             <a:endParaRPr lang="en-US"/>
           </a:p>
@@ -3341,9 +3007,9 @@
           <a:bodyPr/>
           <a:lstStyle/>
           <a:p>
-            <a:fld id="{F6C06D8E-BA30-4D6D-A80D-EE8670394C0E}" type="datetime1">
+            <a:fld id="{5A2EBF76-EF01-41C8-90CF-C2A78F0BD228}" type="datetimeFigureOut">
               <a:rPr lang="en-US" smtClean="0"/>
-              <a:t>05-Feb-20</a:t>
+              <a:t>12-Feb-20</a:t>
             </a:fld>
             <a:endParaRPr lang="en-US"/>
           </a:p>
@@ -3588,9 +3254,9 @@
           <a:bodyPr/>
           <a:lstStyle/>
           <a:p>
-            <a:fld id="{648B1BBB-9BDA-47E6-99EB-05C59B37CA58}" type="datetime1">
+            <a:fld id="{5A2EBF76-EF01-41C8-90CF-C2A78F0BD228}" type="datetimeFigureOut">
               <a:rPr lang="en-US" smtClean="0"/>
-              <a:t>05-Feb-20</a:t>
+              <a:t>12-Feb-20</a:t>
             </a:fld>
             <a:endParaRPr lang="en-US"/>
           </a:p>
@@ -3825,9 +3491,9 @@
           <a:bodyPr/>
           <a:lstStyle/>
           <a:p>
-            <a:fld id="{606A207A-5222-406E-B95A-A0F8B17AC12C}" type="datetime1">
+            <a:fld id="{5A2EBF76-EF01-41C8-90CF-C2A78F0BD228}" type="datetimeFigureOut">
               <a:rPr lang="en-US" smtClean="0"/>
-              <a:t>05-Feb-20</a:t>
+              <a:t>12-Feb-20</a:t>
             </a:fld>
             <a:endParaRPr lang="en-US"/>
           </a:p>
@@ -4199,9 +3865,9 @@
           <a:bodyPr/>
           <a:lstStyle/>
           <a:p>
-            <a:fld id="{05E62B9A-E0C9-4FD3-B68A-64D764241AF7}" type="datetime1">
+            <a:fld id="{5A2EBF76-EF01-41C8-90CF-C2A78F0BD228}" type="datetimeFigureOut">
               <a:rPr lang="en-US" smtClean="0"/>
-              <a:t>05-Feb-20</a:t>
+              <a:t>12-Feb-20</a:t>
             </a:fld>
             <a:endParaRPr lang="en-US"/>
           </a:p>
@@ -4322,9 +3988,9 @@
           <a:bodyPr/>
           <a:lstStyle/>
           <a:p>
-            <a:fld id="{10693EDE-735D-4D01-9F8B-5CC7E2DD7C0E}" type="datetime1">
+            <a:fld id="{5A2EBF76-EF01-41C8-90CF-C2A78F0BD228}" type="datetimeFigureOut">
               <a:rPr lang="en-US" smtClean="0"/>
-              <a:t>05-Feb-20</a:t>
+              <a:t>12-Feb-20</a:t>
             </a:fld>
             <a:endParaRPr lang="en-US"/>
           </a:p>
@@ -4417,9 +4083,9 @@
           <a:bodyPr/>
           <a:lstStyle/>
           <a:p>
-            <a:fld id="{6A89067E-C9F8-435F-ACE9-581460BE6B3A}" type="datetime1">
+            <a:fld id="{5A2EBF76-EF01-41C8-90CF-C2A78F0BD228}" type="datetimeFigureOut">
               <a:rPr lang="en-US" smtClean="0"/>
-              <a:t>05-Feb-20</a:t>
+              <a:t>12-Feb-20</a:t>
             </a:fld>
             <a:endParaRPr lang="en-US"/>
           </a:p>
@@ -4672,9 +4338,9 @@
           <a:bodyPr/>
           <a:lstStyle/>
           <a:p>
-            <a:fld id="{81F039DE-1329-47FC-933C-9ADEED520297}" type="datetime1">
+            <a:fld id="{5A2EBF76-EF01-41C8-90CF-C2A78F0BD228}" type="datetimeFigureOut">
               <a:rPr lang="en-US" smtClean="0"/>
-              <a:t>05-Feb-20</a:t>
+              <a:t>12-Feb-20</a:t>
             </a:fld>
             <a:endParaRPr lang="en-US"/>
           </a:p>
@@ -4935,9 +4601,9 @@
           <a:bodyPr/>
           <a:lstStyle/>
           <a:p>
-            <a:fld id="{659E18AC-450E-433C-A8A0-DFC800B55EFA}" type="datetime1">
+            <a:fld id="{5A2EBF76-EF01-41C8-90CF-C2A78F0BD228}" type="datetimeFigureOut">
               <a:rPr lang="en-US" smtClean="0"/>
-              <a:t>05-Feb-20</a:t>
+              <a:t>12-Feb-20</a:t>
             </a:fld>
             <a:endParaRPr lang="en-US"/>
           </a:p>
@@ -5678,9 +5344,9 @@
             </a:lvl1pPr>
           </a:lstStyle>
           <a:p>
-            <a:fld id="{A48EE0D3-0C06-4311-8B87-DA3E3E1DBFBC}" type="datetime1">
+            <a:fld id="{5A2EBF76-EF01-41C8-90CF-C2A78F0BD228}" type="datetimeFigureOut">
               <a:rPr lang="en-US" smtClean="0"/>
-              <a:t>05-Feb-20</a:t>
+              <a:t>12-Feb-20</a:t>
             </a:fld>
             <a:endParaRPr lang="en-US"/>
           </a:p>
@@ -5788,7 +5454,6 @@
     <p:sldLayoutId id="2147483839" r:id="rId15"/>
     <p:sldLayoutId id="2147483840" r:id="rId16"/>
   </p:sldLayoutIdLst>
-  <p:hf hdr="0" ftr="0" dt="0"/>
   <p:txStyles>
     <p:titleStyle>
       <a:lvl1pPr algn="l" defTabSz="457200" rtl="0" eaLnBrk="1" latinLnBrk="0" hangingPunct="1">
@@ -6269,18 +5934,18 @@
           </a:bodyPr>
           <a:lstStyle/>
           <a:p>
-            <a:pPr algn="l"/>
+            <a:pPr algn="just"/>
             <a:r>
               <a:rPr lang="ro-RO" dirty="0"/>
               <a:t>Proupus de: Pămînt Adelin</a:t>
             </a:r>
           </a:p>
           <a:p>
-            <a:pPr algn="l"/>
+            <a:pPr algn="just"/>
             <a:endParaRPr lang="ro-RO" dirty="0"/>
           </a:p>
           <a:p>
-            <a:pPr algn="l"/>
+            <a:pPr algn="just"/>
             <a:r>
               <a:rPr lang="ro-RO" dirty="0"/>
               <a:t>Coordonator științific: Olariu Florin</a:t>
@@ -6293,6 +5958,1018 @@
     <p:extLst>
       <p:ext uri="{BB962C8B-B14F-4D97-AF65-F5344CB8AC3E}">
         <p14:creationId xmlns:p14="http://schemas.microsoft.com/office/powerpoint/2010/main" val="1451346362"/>
+      </p:ext>
+    </p:extLst>
+  </p:cSld>
+  <p:clrMapOvr>
+    <a:masterClrMapping/>
+  </p:clrMapOvr>
+</p:sld>
+</file>
+
+<file path=ppt/slides/slide10.xml><?xml version="1.0" encoding="utf-8"?>
+<p:sld xmlns:a="http://schemas.openxmlformats.org/drawingml/2006/main" xmlns:r="http://schemas.openxmlformats.org/officeDocument/2006/relationships" xmlns:p="http://schemas.openxmlformats.org/presentationml/2006/main">
+  <p:cSld>
+    <p:spTree>
+      <p:nvGrpSpPr>
+        <p:cNvPr id="1" name=""/>
+        <p:cNvGrpSpPr/>
+        <p:nvPr/>
+      </p:nvGrpSpPr>
+      <p:grpSpPr>
+        <a:xfrm>
+          <a:off x="0" y="0"/>
+          <a:ext cx="0" cy="0"/>
+          <a:chOff x="0" y="0"/>
+          <a:chExt cx="0" cy="0"/>
+        </a:xfrm>
+      </p:grpSpPr>
+      <p:sp>
+        <p:nvSpPr>
+          <p:cNvPr id="2" name="Title 1">
+            <a:extLst>
+              <a:ext uri="{FF2B5EF4-FFF2-40B4-BE49-F238E27FC236}">
+                <a16:creationId xmlns:a16="http://schemas.microsoft.com/office/drawing/2014/main" id="{2020A969-89E8-4D0F-9578-DF3022FB9CF8}"/>
+              </a:ext>
+            </a:extLst>
+          </p:cNvPr>
+          <p:cNvSpPr>
+            <a:spLocks noGrp="1"/>
+          </p:cNvSpPr>
+          <p:nvPr>
+            <p:ph type="title"/>
+          </p:nvPr>
+        </p:nvSpPr>
+        <p:spPr/>
+        <p:txBody>
+          <a:bodyPr/>
+          <a:lstStyle/>
+          <a:p>
+            <a:r>
+              <a:rPr lang="ro-RO" dirty="0"/>
+              <a:t>Introducere</a:t>
+            </a:r>
+            <a:endParaRPr lang="en-US" dirty="0"/>
+          </a:p>
+        </p:txBody>
+      </p:sp>
+      <p:sp>
+        <p:nvSpPr>
+          <p:cNvPr id="3" name="Content Placeholder 2">
+            <a:extLst>
+              <a:ext uri="{FF2B5EF4-FFF2-40B4-BE49-F238E27FC236}">
+                <a16:creationId xmlns:a16="http://schemas.microsoft.com/office/drawing/2014/main" id="{638DF9F8-9733-40DC-A61A-7C7907642559}"/>
+              </a:ext>
+            </a:extLst>
+          </p:cNvPr>
+          <p:cNvSpPr>
+            <a:spLocks noGrp="1"/>
+          </p:cNvSpPr>
+          <p:nvPr>
+            <p:ph idx="1"/>
+          </p:nvPr>
+        </p:nvSpPr>
+        <p:spPr/>
+        <p:txBody>
+          <a:bodyPr/>
+          <a:lstStyle/>
+          <a:p>
+            <a:pPr marL="0" indent="0" algn="just">
+              <a:buNone/>
+            </a:pPr>
+            <a:r>
+              <a:rPr lang="ro-RO" dirty="0"/>
+              <a:t>	Majoritatea</a:t>
+            </a:r>
+            <a:r>
+              <a:rPr lang="en-US" dirty="0"/>
+              <a:t> </a:t>
+            </a:r>
+            <a:r>
+              <a:rPr lang="ro-RO" dirty="0"/>
+              <a:t>dintre acestea au implementate funcționalități ce vin în întâmpinarea serviciilor mijloacelor de transport prin a oferi informații legate de locația la care se află un mijloc de transport, sau locația curentă a unuia.</a:t>
+            </a:r>
+          </a:p>
+        </p:txBody>
+      </p:sp>
+    </p:spTree>
+    <p:extLst>
+      <p:ext uri="{BB962C8B-B14F-4D97-AF65-F5344CB8AC3E}">
+        <p14:creationId xmlns:p14="http://schemas.microsoft.com/office/powerpoint/2010/main" val="3069065090"/>
+      </p:ext>
+    </p:extLst>
+  </p:cSld>
+  <p:clrMapOvr>
+    <a:masterClrMapping/>
+  </p:clrMapOvr>
+</p:sld>
+</file>
+
+<file path=ppt/slides/slide11.xml><?xml version="1.0" encoding="utf-8"?>
+<p:sld xmlns:a="http://schemas.openxmlformats.org/drawingml/2006/main" xmlns:r="http://schemas.openxmlformats.org/officeDocument/2006/relationships" xmlns:p="http://schemas.openxmlformats.org/presentationml/2006/main">
+  <p:cSld>
+    <p:spTree>
+      <p:nvGrpSpPr>
+        <p:cNvPr id="1" name=""/>
+        <p:cNvGrpSpPr/>
+        <p:nvPr/>
+      </p:nvGrpSpPr>
+      <p:grpSpPr>
+        <a:xfrm>
+          <a:off x="0" y="0"/>
+          <a:ext cx="0" cy="0"/>
+          <a:chOff x="0" y="0"/>
+          <a:chExt cx="0" cy="0"/>
+        </a:xfrm>
+      </p:grpSpPr>
+      <p:sp>
+        <p:nvSpPr>
+          <p:cNvPr id="2" name="Title 1">
+            <a:extLst>
+              <a:ext uri="{FF2B5EF4-FFF2-40B4-BE49-F238E27FC236}">
+                <a16:creationId xmlns:a16="http://schemas.microsoft.com/office/drawing/2014/main" id="{2020A969-89E8-4D0F-9578-DF3022FB9CF8}"/>
+              </a:ext>
+            </a:extLst>
+          </p:cNvPr>
+          <p:cNvSpPr>
+            <a:spLocks noGrp="1"/>
+          </p:cNvSpPr>
+          <p:nvPr>
+            <p:ph type="title"/>
+          </p:nvPr>
+        </p:nvSpPr>
+        <p:spPr/>
+        <p:txBody>
+          <a:bodyPr/>
+          <a:lstStyle/>
+          <a:p>
+            <a:r>
+              <a:rPr lang="ro-RO" dirty="0"/>
+              <a:t>Introducere</a:t>
+            </a:r>
+            <a:endParaRPr lang="en-US" dirty="0"/>
+          </a:p>
+        </p:txBody>
+      </p:sp>
+      <p:sp>
+        <p:nvSpPr>
+          <p:cNvPr id="3" name="Content Placeholder 2">
+            <a:extLst>
+              <a:ext uri="{FF2B5EF4-FFF2-40B4-BE49-F238E27FC236}">
+                <a16:creationId xmlns:a16="http://schemas.microsoft.com/office/drawing/2014/main" id="{638DF9F8-9733-40DC-A61A-7C7907642559}"/>
+              </a:ext>
+            </a:extLst>
+          </p:cNvPr>
+          <p:cNvSpPr>
+            <a:spLocks noGrp="1"/>
+          </p:cNvSpPr>
+          <p:nvPr>
+            <p:ph idx="1"/>
+          </p:nvPr>
+        </p:nvSpPr>
+        <p:spPr/>
+        <p:txBody>
+          <a:bodyPr/>
+          <a:lstStyle/>
+          <a:p>
+            <a:pPr marL="0" indent="0" algn="just">
+              <a:buNone/>
+            </a:pPr>
+            <a:r>
+              <a:rPr lang="ro-RO" dirty="0"/>
+              <a:t>	Toate acestea au implementate funcționalități ce vin în întâmpinarea serviciilor mijloacelor de transport prin a oferi informații legate de locația la care se află un mijloc de transport, sau locația curentă a unuia.</a:t>
+            </a:r>
+          </a:p>
+          <a:p>
+            <a:pPr marL="0" indent="0" algn="just">
+              <a:buNone/>
+            </a:pPr>
+            <a:endParaRPr lang="ro-RO" dirty="0"/>
+          </a:p>
+          <a:p>
+            <a:pPr marL="0" indent="0" algn="just">
+              <a:buNone/>
+            </a:pPr>
+            <a:r>
+              <a:rPr lang="ro-RO" dirty="0"/>
+              <a:t>	Însă există o problemă pe care o au în comun majoritatea acestor aplicații, și anume faptul că informațiile pe care le expun sunt aproximări, care, deși pot afișa și informații corecte, pot de asemenea să și greșească.</a:t>
+            </a:r>
+          </a:p>
+        </p:txBody>
+      </p:sp>
+    </p:spTree>
+    <p:extLst>
+      <p:ext uri="{BB962C8B-B14F-4D97-AF65-F5344CB8AC3E}">
+        <p14:creationId xmlns:p14="http://schemas.microsoft.com/office/powerpoint/2010/main" val="4155615147"/>
+      </p:ext>
+    </p:extLst>
+  </p:cSld>
+  <p:clrMapOvr>
+    <a:masterClrMapping/>
+  </p:clrMapOvr>
+</p:sld>
+</file>
+
+<file path=ppt/slides/slide12.xml><?xml version="1.0" encoding="utf-8"?>
+<p:sld xmlns:a="http://schemas.openxmlformats.org/drawingml/2006/main" xmlns:r="http://schemas.openxmlformats.org/officeDocument/2006/relationships" xmlns:p="http://schemas.openxmlformats.org/presentationml/2006/main">
+  <p:cSld>
+    <p:spTree>
+      <p:nvGrpSpPr>
+        <p:cNvPr id="1" name=""/>
+        <p:cNvGrpSpPr/>
+        <p:nvPr/>
+      </p:nvGrpSpPr>
+      <p:grpSpPr>
+        <a:xfrm>
+          <a:off x="0" y="0"/>
+          <a:ext cx="0" cy="0"/>
+          <a:chOff x="0" y="0"/>
+          <a:chExt cx="0" cy="0"/>
+        </a:xfrm>
+      </p:grpSpPr>
+      <p:sp>
+        <p:nvSpPr>
+          <p:cNvPr id="2" name="Title 1">
+            <a:extLst>
+              <a:ext uri="{FF2B5EF4-FFF2-40B4-BE49-F238E27FC236}">
+                <a16:creationId xmlns:a16="http://schemas.microsoft.com/office/drawing/2014/main" id="{2020A969-89E8-4D0F-9578-DF3022FB9CF8}"/>
+              </a:ext>
+            </a:extLst>
+          </p:cNvPr>
+          <p:cNvSpPr>
+            <a:spLocks noGrp="1"/>
+          </p:cNvSpPr>
+          <p:nvPr>
+            <p:ph type="title"/>
+          </p:nvPr>
+        </p:nvSpPr>
+        <p:spPr/>
+        <p:txBody>
+          <a:bodyPr/>
+          <a:lstStyle/>
+          <a:p>
+            <a:r>
+              <a:rPr lang="ro-RO" dirty="0"/>
+              <a:t>Introducere</a:t>
+            </a:r>
+            <a:endParaRPr lang="en-US" dirty="0"/>
+          </a:p>
+        </p:txBody>
+      </p:sp>
+      <p:sp>
+        <p:nvSpPr>
+          <p:cNvPr id="3" name="Content Placeholder 2">
+            <a:extLst>
+              <a:ext uri="{FF2B5EF4-FFF2-40B4-BE49-F238E27FC236}">
+                <a16:creationId xmlns:a16="http://schemas.microsoft.com/office/drawing/2014/main" id="{638DF9F8-9733-40DC-A61A-7C7907642559}"/>
+              </a:ext>
+            </a:extLst>
+          </p:cNvPr>
+          <p:cNvSpPr>
+            <a:spLocks noGrp="1"/>
+          </p:cNvSpPr>
+          <p:nvPr>
+            <p:ph idx="1"/>
+          </p:nvPr>
+        </p:nvSpPr>
+        <p:spPr/>
+        <p:txBody>
+          <a:bodyPr/>
+          <a:lstStyle/>
+          <a:p>
+            <a:pPr marL="0" indent="0" algn="just">
+              <a:buNone/>
+            </a:pPr>
+            <a:r>
+              <a:rPr lang="ro-RO" dirty="0"/>
+              <a:t>	Abordarea mea pentru a rezolva această problemă a consistenței acurateții datelor este PublicTransportMonitor</a:t>
+            </a:r>
+          </a:p>
+        </p:txBody>
+      </p:sp>
+    </p:spTree>
+    <p:extLst>
+      <p:ext uri="{BB962C8B-B14F-4D97-AF65-F5344CB8AC3E}">
+        <p14:creationId xmlns:p14="http://schemas.microsoft.com/office/powerpoint/2010/main" val="3994747673"/>
+      </p:ext>
+    </p:extLst>
+  </p:cSld>
+  <p:clrMapOvr>
+    <a:masterClrMapping/>
+  </p:clrMapOvr>
+</p:sld>
+</file>
+
+<file path=ppt/slides/slide13.xml><?xml version="1.0" encoding="utf-8"?>
+<p:sld xmlns:a="http://schemas.openxmlformats.org/drawingml/2006/main" xmlns:r="http://schemas.openxmlformats.org/officeDocument/2006/relationships" xmlns:p="http://schemas.openxmlformats.org/presentationml/2006/main">
+  <p:cSld>
+    <p:spTree>
+      <p:nvGrpSpPr>
+        <p:cNvPr id="1" name=""/>
+        <p:cNvGrpSpPr/>
+        <p:nvPr/>
+      </p:nvGrpSpPr>
+      <p:grpSpPr>
+        <a:xfrm>
+          <a:off x="0" y="0"/>
+          <a:ext cx="0" cy="0"/>
+          <a:chOff x="0" y="0"/>
+          <a:chExt cx="0" cy="0"/>
+        </a:xfrm>
+      </p:grpSpPr>
+      <p:sp>
+        <p:nvSpPr>
+          <p:cNvPr id="2" name="Title 1">
+            <a:extLst>
+              <a:ext uri="{FF2B5EF4-FFF2-40B4-BE49-F238E27FC236}">
+                <a16:creationId xmlns:a16="http://schemas.microsoft.com/office/drawing/2014/main" id="{33FA3528-175E-4F80-8252-EAD555CF24F8}"/>
+              </a:ext>
+            </a:extLst>
+          </p:cNvPr>
+          <p:cNvSpPr>
+            <a:spLocks noGrp="1"/>
+          </p:cNvSpPr>
+          <p:nvPr>
+            <p:ph type="title"/>
+          </p:nvPr>
+        </p:nvSpPr>
+        <p:spPr/>
+        <p:txBody>
+          <a:bodyPr/>
+          <a:lstStyle/>
+          <a:p>
+            <a:r>
+              <a:rPr lang="ro-RO" dirty="0"/>
+              <a:t>Descriere</a:t>
+            </a:r>
+            <a:endParaRPr lang="en-US" dirty="0"/>
+          </a:p>
+        </p:txBody>
+      </p:sp>
+      <p:sp>
+        <p:nvSpPr>
+          <p:cNvPr id="3" name="Content Placeholder 2">
+            <a:extLst>
+              <a:ext uri="{FF2B5EF4-FFF2-40B4-BE49-F238E27FC236}">
+                <a16:creationId xmlns:a16="http://schemas.microsoft.com/office/drawing/2014/main" id="{E5C4DA81-4A5D-4B17-BB26-CAB88C97894F}"/>
+              </a:ext>
+            </a:extLst>
+          </p:cNvPr>
+          <p:cNvSpPr>
+            <a:spLocks noGrp="1"/>
+          </p:cNvSpPr>
+          <p:nvPr>
+            <p:ph idx="1"/>
+          </p:nvPr>
+        </p:nvSpPr>
+        <p:spPr/>
+        <p:txBody>
+          <a:bodyPr/>
+          <a:lstStyle/>
+          <a:p>
+            <a:pPr marL="0" indent="0" algn="just">
+              <a:buNone/>
+            </a:pPr>
+            <a:r>
+              <a:rPr lang="ro-RO" dirty="0"/>
+              <a:t>	În cadrul soluției propuse de mine, ideea principală este aceea de a afișa în timp real informații despre locația mijl</a:t>
+            </a:r>
+            <a:r>
+              <a:rPr lang="en-US" dirty="0" err="1"/>
+              <a:t>oa</a:t>
+            </a:r>
+            <a:r>
+              <a:rPr lang="ro-RO" dirty="0"/>
+              <a:t>celor de transport, oferind, astfel, posibilitatea de a aproxima momentul în care acestea vor ajunge într-o stație de interes pentru utilizator.</a:t>
+            </a:r>
+            <a:endParaRPr lang="en-US" dirty="0"/>
+          </a:p>
+        </p:txBody>
+      </p:sp>
+    </p:spTree>
+    <p:extLst>
+      <p:ext uri="{BB962C8B-B14F-4D97-AF65-F5344CB8AC3E}">
+        <p14:creationId xmlns:p14="http://schemas.microsoft.com/office/powerpoint/2010/main" val="3088103318"/>
+      </p:ext>
+    </p:extLst>
+  </p:cSld>
+  <p:clrMapOvr>
+    <a:masterClrMapping/>
+  </p:clrMapOvr>
+</p:sld>
+</file>
+
+<file path=ppt/slides/slide14.xml><?xml version="1.0" encoding="utf-8"?>
+<p:sld xmlns:a="http://schemas.openxmlformats.org/drawingml/2006/main" xmlns:r="http://schemas.openxmlformats.org/officeDocument/2006/relationships" xmlns:p="http://schemas.openxmlformats.org/presentationml/2006/main">
+  <p:cSld>
+    <p:spTree>
+      <p:nvGrpSpPr>
+        <p:cNvPr id="1" name=""/>
+        <p:cNvGrpSpPr/>
+        <p:nvPr/>
+      </p:nvGrpSpPr>
+      <p:grpSpPr>
+        <a:xfrm>
+          <a:off x="0" y="0"/>
+          <a:ext cx="0" cy="0"/>
+          <a:chOff x="0" y="0"/>
+          <a:chExt cx="0" cy="0"/>
+        </a:xfrm>
+      </p:grpSpPr>
+      <p:sp>
+        <p:nvSpPr>
+          <p:cNvPr id="2" name="Title 1">
+            <a:extLst>
+              <a:ext uri="{FF2B5EF4-FFF2-40B4-BE49-F238E27FC236}">
+                <a16:creationId xmlns:a16="http://schemas.microsoft.com/office/drawing/2014/main" id="{33FA3528-175E-4F80-8252-EAD555CF24F8}"/>
+              </a:ext>
+            </a:extLst>
+          </p:cNvPr>
+          <p:cNvSpPr>
+            <a:spLocks noGrp="1"/>
+          </p:cNvSpPr>
+          <p:nvPr>
+            <p:ph type="title"/>
+          </p:nvPr>
+        </p:nvSpPr>
+        <p:spPr/>
+        <p:txBody>
+          <a:bodyPr/>
+          <a:lstStyle/>
+          <a:p>
+            <a:r>
+              <a:rPr lang="ro-RO" dirty="0"/>
+              <a:t>Descriere</a:t>
+            </a:r>
+            <a:endParaRPr lang="en-US" dirty="0"/>
+          </a:p>
+        </p:txBody>
+      </p:sp>
+      <p:sp>
+        <p:nvSpPr>
+          <p:cNvPr id="3" name="Content Placeholder 2">
+            <a:extLst>
+              <a:ext uri="{FF2B5EF4-FFF2-40B4-BE49-F238E27FC236}">
+                <a16:creationId xmlns:a16="http://schemas.microsoft.com/office/drawing/2014/main" id="{E5C4DA81-4A5D-4B17-BB26-CAB88C97894F}"/>
+              </a:ext>
+            </a:extLst>
+          </p:cNvPr>
+          <p:cNvSpPr>
+            <a:spLocks noGrp="1"/>
+          </p:cNvSpPr>
+          <p:nvPr>
+            <p:ph idx="1"/>
+          </p:nvPr>
+        </p:nvSpPr>
+        <p:spPr/>
+        <p:txBody>
+          <a:bodyPr/>
+          <a:lstStyle/>
+          <a:p>
+            <a:pPr marL="0" indent="0" algn="just">
+              <a:buNone/>
+            </a:pPr>
+            <a:r>
+              <a:rPr lang="ro-RO" dirty="0"/>
+              <a:t>	În cadrul aplicației PublicTransportMonitor, un utilizator poate avea 2 roluri:</a:t>
+            </a:r>
+          </a:p>
+          <a:p>
+            <a:pPr marL="0" indent="0" algn="just">
+              <a:buNone/>
+            </a:pPr>
+            <a:r>
+              <a:rPr lang="ro-RO" dirty="0"/>
+              <a:t>	</a:t>
+            </a:r>
+            <a:endParaRPr lang="en-US" dirty="0"/>
+          </a:p>
+        </p:txBody>
+      </p:sp>
+    </p:spTree>
+    <p:extLst>
+      <p:ext uri="{BB962C8B-B14F-4D97-AF65-F5344CB8AC3E}">
+        <p14:creationId xmlns:p14="http://schemas.microsoft.com/office/powerpoint/2010/main" val="2359860629"/>
+      </p:ext>
+    </p:extLst>
+  </p:cSld>
+  <p:clrMapOvr>
+    <a:masterClrMapping/>
+  </p:clrMapOvr>
+</p:sld>
+</file>
+
+<file path=ppt/slides/slide15.xml><?xml version="1.0" encoding="utf-8"?>
+<p:sld xmlns:a="http://schemas.openxmlformats.org/drawingml/2006/main" xmlns:r="http://schemas.openxmlformats.org/officeDocument/2006/relationships" xmlns:p="http://schemas.openxmlformats.org/presentationml/2006/main">
+  <p:cSld>
+    <p:spTree>
+      <p:nvGrpSpPr>
+        <p:cNvPr id="1" name=""/>
+        <p:cNvGrpSpPr/>
+        <p:nvPr/>
+      </p:nvGrpSpPr>
+      <p:grpSpPr>
+        <a:xfrm>
+          <a:off x="0" y="0"/>
+          <a:ext cx="0" cy="0"/>
+          <a:chOff x="0" y="0"/>
+          <a:chExt cx="0" cy="0"/>
+        </a:xfrm>
+      </p:grpSpPr>
+      <p:sp>
+        <p:nvSpPr>
+          <p:cNvPr id="2" name="Title 1">
+            <a:extLst>
+              <a:ext uri="{FF2B5EF4-FFF2-40B4-BE49-F238E27FC236}">
+                <a16:creationId xmlns:a16="http://schemas.microsoft.com/office/drawing/2014/main" id="{33FA3528-175E-4F80-8252-EAD555CF24F8}"/>
+              </a:ext>
+            </a:extLst>
+          </p:cNvPr>
+          <p:cNvSpPr>
+            <a:spLocks noGrp="1"/>
+          </p:cNvSpPr>
+          <p:nvPr>
+            <p:ph type="title"/>
+          </p:nvPr>
+        </p:nvSpPr>
+        <p:spPr/>
+        <p:txBody>
+          <a:bodyPr/>
+          <a:lstStyle/>
+          <a:p>
+            <a:r>
+              <a:rPr lang="ro-RO" dirty="0"/>
+              <a:t>Descriere</a:t>
+            </a:r>
+            <a:endParaRPr lang="en-US" dirty="0"/>
+          </a:p>
+        </p:txBody>
+      </p:sp>
+      <p:sp>
+        <p:nvSpPr>
+          <p:cNvPr id="3" name="Content Placeholder 2">
+            <a:extLst>
+              <a:ext uri="{FF2B5EF4-FFF2-40B4-BE49-F238E27FC236}">
+                <a16:creationId xmlns:a16="http://schemas.microsoft.com/office/drawing/2014/main" id="{E5C4DA81-4A5D-4B17-BB26-CAB88C97894F}"/>
+              </a:ext>
+            </a:extLst>
+          </p:cNvPr>
+          <p:cNvSpPr>
+            <a:spLocks noGrp="1"/>
+          </p:cNvSpPr>
+          <p:nvPr>
+            <p:ph idx="1"/>
+          </p:nvPr>
+        </p:nvSpPr>
+        <p:spPr/>
+        <p:txBody>
+          <a:bodyPr/>
+          <a:lstStyle/>
+          <a:p>
+            <a:pPr marL="0" indent="0" algn="just">
+              <a:buNone/>
+            </a:pPr>
+            <a:r>
+              <a:rPr lang="ro-RO" dirty="0"/>
+              <a:t>	În cadrul aplicației PublicTransportMonitor, un utilizator poate avea 2 roluri:</a:t>
+            </a:r>
+          </a:p>
+          <a:p>
+            <a:pPr lvl="1" algn="just"/>
+            <a:r>
+              <a:rPr lang="ro-RO" dirty="0"/>
+              <a:t>Utilizator ce înregistrează un mijloc de transport</a:t>
+            </a:r>
+            <a:endParaRPr lang="en-US" dirty="0"/>
+          </a:p>
+        </p:txBody>
+      </p:sp>
+    </p:spTree>
+    <p:extLst>
+      <p:ext uri="{BB962C8B-B14F-4D97-AF65-F5344CB8AC3E}">
+        <p14:creationId xmlns:p14="http://schemas.microsoft.com/office/powerpoint/2010/main" val="862252698"/>
+      </p:ext>
+    </p:extLst>
+  </p:cSld>
+  <p:clrMapOvr>
+    <a:masterClrMapping/>
+  </p:clrMapOvr>
+</p:sld>
+</file>
+
+<file path=ppt/slides/slide16.xml><?xml version="1.0" encoding="utf-8"?>
+<p:sld xmlns:a="http://schemas.openxmlformats.org/drawingml/2006/main" xmlns:r="http://schemas.openxmlformats.org/officeDocument/2006/relationships" xmlns:p="http://schemas.openxmlformats.org/presentationml/2006/main">
+  <p:cSld>
+    <p:spTree>
+      <p:nvGrpSpPr>
+        <p:cNvPr id="1" name=""/>
+        <p:cNvGrpSpPr/>
+        <p:nvPr/>
+      </p:nvGrpSpPr>
+      <p:grpSpPr>
+        <a:xfrm>
+          <a:off x="0" y="0"/>
+          <a:ext cx="0" cy="0"/>
+          <a:chOff x="0" y="0"/>
+          <a:chExt cx="0" cy="0"/>
+        </a:xfrm>
+      </p:grpSpPr>
+      <p:sp>
+        <p:nvSpPr>
+          <p:cNvPr id="2" name="Title 1">
+            <a:extLst>
+              <a:ext uri="{FF2B5EF4-FFF2-40B4-BE49-F238E27FC236}">
+                <a16:creationId xmlns:a16="http://schemas.microsoft.com/office/drawing/2014/main" id="{33FA3528-175E-4F80-8252-EAD555CF24F8}"/>
+              </a:ext>
+            </a:extLst>
+          </p:cNvPr>
+          <p:cNvSpPr>
+            <a:spLocks noGrp="1"/>
+          </p:cNvSpPr>
+          <p:nvPr>
+            <p:ph type="title"/>
+          </p:nvPr>
+        </p:nvSpPr>
+        <p:spPr/>
+        <p:txBody>
+          <a:bodyPr/>
+          <a:lstStyle/>
+          <a:p>
+            <a:r>
+              <a:rPr lang="ro-RO" dirty="0"/>
+              <a:t>Descriere</a:t>
+            </a:r>
+            <a:endParaRPr lang="en-US" dirty="0"/>
+          </a:p>
+        </p:txBody>
+      </p:sp>
+      <p:sp>
+        <p:nvSpPr>
+          <p:cNvPr id="3" name="Content Placeholder 2">
+            <a:extLst>
+              <a:ext uri="{FF2B5EF4-FFF2-40B4-BE49-F238E27FC236}">
+                <a16:creationId xmlns:a16="http://schemas.microsoft.com/office/drawing/2014/main" id="{E5C4DA81-4A5D-4B17-BB26-CAB88C97894F}"/>
+              </a:ext>
+            </a:extLst>
+          </p:cNvPr>
+          <p:cNvSpPr>
+            <a:spLocks noGrp="1"/>
+          </p:cNvSpPr>
+          <p:nvPr>
+            <p:ph idx="1"/>
+          </p:nvPr>
+        </p:nvSpPr>
+        <p:spPr/>
+        <p:txBody>
+          <a:bodyPr/>
+          <a:lstStyle/>
+          <a:p>
+            <a:pPr marL="0" indent="0" algn="just">
+              <a:buNone/>
+            </a:pPr>
+            <a:r>
+              <a:rPr lang="ro-RO" dirty="0"/>
+              <a:t>	În cadrul aplicației PublicTransportMonitor, un utilizator poate avea 2 roluri:</a:t>
+            </a:r>
+          </a:p>
+          <a:p>
+            <a:pPr lvl="1" algn="just"/>
+            <a:r>
+              <a:rPr lang="ro-RO" dirty="0"/>
+              <a:t>Utilizator ce înregistrează un mijloc de transport</a:t>
+            </a:r>
+          </a:p>
+          <a:p>
+            <a:pPr lvl="1" algn="just"/>
+            <a:r>
+              <a:rPr lang="ro-RO" dirty="0"/>
+              <a:t>Utilizator ce caută mijloace de transport înregistrate de către alți utilizatori ai aplicației</a:t>
+            </a:r>
+            <a:endParaRPr lang="en-US" dirty="0"/>
+          </a:p>
+        </p:txBody>
+      </p:sp>
+    </p:spTree>
+    <p:extLst>
+      <p:ext uri="{BB962C8B-B14F-4D97-AF65-F5344CB8AC3E}">
+        <p14:creationId xmlns:p14="http://schemas.microsoft.com/office/powerpoint/2010/main" val="2295254738"/>
+      </p:ext>
+    </p:extLst>
+  </p:cSld>
+  <p:clrMapOvr>
+    <a:masterClrMapping/>
+  </p:clrMapOvr>
+</p:sld>
+</file>
+
+<file path=ppt/slides/slide17.xml><?xml version="1.0" encoding="utf-8"?>
+<p:sld xmlns:a="http://schemas.openxmlformats.org/drawingml/2006/main" xmlns:r="http://schemas.openxmlformats.org/officeDocument/2006/relationships" xmlns:p="http://schemas.openxmlformats.org/presentationml/2006/main">
+  <p:cSld>
+    <p:spTree>
+      <p:nvGrpSpPr>
+        <p:cNvPr id="1" name=""/>
+        <p:cNvGrpSpPr/>
+        <p:nvPr/>
+      </p:nvGrpSpPr>
+      <p:grpSpPr>
+        <a:xfrm>
+          <a:off x="0" y="0"/>
+          <a:ext cx="0" cy="0"/>
+          <a:chOff x="0" y="0"/>
+          <a:chExt cx="0" cy="0"/>
+        </a:xfrm>
+      </p:grpSpPr>
+      <p:sp>
+        <p:nvSpPr>
+          <p:cNvPr id="2" name="Title 1">
+            <a:extLst>
+              <a:ext uri="{FF2B5EF4-FFF2-40B4-BE49-F238E27FC236}">
+                <a16:creationId xmlns:a16="http://schemas.microsoft.com/office/drawing/2014/main" id="{33FA3528-175E-4F80-8252-EAD555CF24F8}"/>
+              </a:ext>
+            </a:extLst>
+          </p:cNvPr>
+          <p:cNvSpPr>
+            <a:spLocks noGrp="1"/>
+          </p:cNvSpPr>
+          <p:nvPr>
+            <p:ph type="title"/>
+          </p:nvPr>
+        </p:nvSpPr>
+        <p:spPr/>
+        <p:txBody>
+          <a:bodyPr/>
+          <a:lstStyle/>
+          <a:p>
+            <a:r>
+              <a:rPr lang="ro-RO" dirty="0"/>
+              <a:t>Descriere</a:t>
+            </a:r>
+            <a:endParaRPr lang="en-US" dirty="0"/>
+          </a:p>
+        </p:txBody>
+      </p:sp>
+      <p:sp>
+        <p:nvSpPr>
+          <p:cNvPr id="3" name="Content Placeholder 2">
+            <a:extLst>
+              <a:ext uri="{FF2B5EF4-FFF2-40B4-BE49-F238E27FC236}">
+                <a16:creationId xmlns:a16="http://schemas.microsoft.com/office/drawing/2014/main" id="{E5C4DA81-4A5D-4B17-BB26-CAB88C97894F}"/>
+              </a:ext>
+            </a:extLst>
+          </p:cNvPr>
+          <p:cNvSpPr>
+            <a:spLocks noGrp="1"/>
+          </p:cNvSpPr>
+          <p:nvPr>
+            <p:ph idx="1"/>
+          </p:nvPr>
+        </p:nvSpPr>
+        <p:spPr/>
+        <p:txBody>
+          <a:bodyPr/>
+          <a:lstStyle/>
+          <a:p>
+            <a:pPr marL="0" indent="0" algn="just">
+              <a:buNone/>
+            </a:pPr>
+            <a:r>
+              <a:rPr lang="ro-RO" dirty="0"/>
+              <a:t>	În momentul în care un utilizator înregistrează un mijloc de transport, locația acestuia este urmarită, și implicit, a mijlocului de transport pe care l-a înregistrat.</a:t>
+            </a:r>
+          </a:p>
+        </p:txBody>
+      </p:sp>
+    </p:spTree>
+    <p:extLst>
+      <p:ext uri="{BB962C8B-B14F-4D97-AF65-F5344CB8AC3E}">
+        <p14:creationId xmlns:p14="http://schemas.microsoft.com/office/powerpoint/2010/main" val="1941738267"/>
+      </p:ext>
+    </p:extLst>
+  </p:cSld>
+  <p:clrMapOvr>
+    <a:masterClrMapping/>
+  </p:clrMapOvr>
+</p:sld>
+</file>
+
+<file path=ppt/slides/slide18.xml><?xml version="1.0" encoding="utf-8"?>
+<p:sld xmlns:a="http://schemas.openxmlformats.org/drawingml/2006/main" xmlns:r="http://schemas.openxmlformats.org/officeDocument/2006/relationships" xmlns:p="http://schemas.openxmlformats.org/presentationml/2006/main">
+  <p:cSld>
+    <p:spTree>
+      <p:nvGrpSpPr>
+        <p:cNvPr id="1" name=""/>
+        <p:cNvGrpSpPr/>
+        <p:nvPr/>
+      </p:nvGrpSpPr>
+      <p:grpSpPr>
+        <a:xfrm>
+          <a:off x="0" y="0"/>
+          <a:ext cx="0" cy="0"/>
+          <a:chOff x="0" y="0"/>
+          <a:chExt cx="0" cy="0"/>
+        </a:xfrm>
+      </p:grpSpPr>
+      <p:sp>
+        <p:nvSpPr>
+          <p:cNvPr id="2" name="Title 1">
+            <a:extLst>
+              <a:ext uri="{FF2B5EF4-FFF2-40B4-BE49-F238E27FC236}">
+                <a16:creationId xmlns:a16="http://schemas.microsoft.com/office/drawing/2014/main" id="{33FA3528-175E-4F80-8252-EAD555CF24F8}"/>
+              </a:ext>
+            </a:extLst>
+          </p:cNvPr>
+          <p:cNvSpPr>
+            <a:spLocks noGrp="1"/>
+          </p:cNvSpPr>
+          <p:nvPr>
+            <p:ph type="title"/>
+          </p:nvPr>
+        </p:nvSpPr>
+        <p:spPr/>
+        <p:txBody>
+          <a:bodyPr/>
+          <a:lstStyle/>
+          <a:p>
+            <a:r>
+              <a:rPr lang="ro-RO" dirty="0"/>
+              <a:t>Descriere</a:t>
+            </a:r>
+            <a:endParaRPr lang="en-US" dirty="0"/>
+          </a:p>
+        </p:txBody>
+      </p:sp>
+      <p:sp>
+        <p:nvSpPr>
+          <p:cNvPr id="3" name="Content Placeholder 2">
+            <a:extLst>
+              <a:ext uri="{FF2B5EF4-FFF2-40B4-BE49-F238E27FC236}">
+                <a16:creationId xmlns:a16="http://schemas.microsoft.com/office/drawing/2014/main" id="{E5C4DA81-4A5D-4B17-BB26-CAB88C97894F}"/>
+              </a:ext>
+            </a:extLst>
+          </p:cNvPr>
+          <p:cNvSpPr>
+            <a:spLocks noGrp="1"/>
+          </p:cNvSpPr>
+          <p:nvPr>
+            <p:ph idx="1"/>
+          </p:nvPr>
+        </p:nvSpPr>
+        <p:spPr/>
+        <p:txBody>
+          <a:bodyPr/>
+          <a:lstStyle/>
+          <a:p>
+            <a:pPr marL="0" indent="0" algn="just">
+              <a:buNone/>
+            </a:pPr>
+            <a:r>
+              <a:rPr lang="ro-RO" dirty="0"/>
+              <a:t>	În momentul în care un utilizator înregistrează un mijloc de transport, locația acestuia este urmarită, și implicit, a mijlocului de transport pe care l-a înregistrat.</a:t>
+            </a:r>
+          </a:p>
+          <a:p>
+            <a:pPr marL="0" indent="0" algn="just">
+              <a:buNone/>
+            </a:pPr>
+            <a:endParaRPr lang="ro-RO" dirty="0"/>
+          </a:p>
+          <a:p>
+            <a:pPr marL="0" indent="0" algn="just">
+              <a:buNone/>
+            </a:pPr>
+            <a:r>
+              <a:rPr lang="ro-RO" dirty="0"/>
+              <a:t>	Acțiunea de înregistrare a unui mijloc de transport a fost gândită astfel încât implicarea necesară a utilizatorului să fie minimală, deoarece un proces anevoios ar fi fost evitat.</a:t>
+            </a:r>
+          </a:p>
+        </p:txBody>
+      </p:sp>
+    </p:spTree>
+    <p:extLst>
+      <p:ext uri="{BB962C8B-B14F-4D97-AF65-F5344CB8AC3E}">
+        <p14:creationId xmlns:p14="http://schemas.microsoft.com/office/powerpoint/2010/main" val="3172025765"/>
+      </p:ext>
+    </p:extLst>
+  </p:cSld>
+  <p:clrMapOvr>
+    <a:masterClrMapping/>
+  </p:clrMapOvr>
+</p:sld>
+</file>
+
+<file path=ppt/slides/slide19.xml><?xml version="1.0" encoding="utf-8"?>
+<p:sld xmlns:a="http://schemas.openxmlformats.org/drawingml/2006/main" xmlns:r="http://schemas.openxmlformats.org/officeDocument/2006/relationships" xmlns:p="http://schemas.openxmlformats.org/presentationml/2006/main">
+  <p:cSld>
+    <p:spTree>
+      <p:nvGrpSpPr>
+        <p:cNvPr id="1" name=""/>
+        <p:cNvGrpSpPr/>
+        <p:nvPr/>
+      </p:nvGrpSpPr>
+      <p:grpSpPr>
+        <a:xfrm>
+          <a:off x="0" y="0"/>
+          <a:ext cx="0" cy="0"/>
+          <a:chOff x="0" y="0"/>
+          <a:chExt cx="0" cy="0"/>
+        </a:xfrm>
+      </p:grpSpPr>
+      <p:sp>
+        <p:nvSpPr>
+          <p:cNvPr id="2" name="Title 1">
+            <a:extLst>
+              <a:ext uri="{FF2B5EF4-FFF2-40B4-BE49-F238E27FC236}">
+                <a16:creationId xmlns:a16="http://schemas.microsoft.com/office/drawing/2014/main" id="{33FA3528-175E-4F80-8252-EAD555CF24F8}"/>
+              </a:ext>
+            </a:extLst>
+          </p:cNvPr>
+          <p:cNvSpPr>
+            <a:spLocks noGrp="1"/>
+          </p:cNvSpPr>
+          <p:nvPr>
+            <p:ph type="title"/>
+          </p:nvPr>
+        </p:nvSpPr>
+        <p:spPr/>
+        <p:txBody>
+          <a:bodyPr/>
+          <a:lstStyle/>
+          <a:p>
+            <a:r>
+              <a:rPr lang="ro-RO" dirty="0"/>
+              <a:t>Descriere</a:t>
+            </a:r>
+            <a:endParaRPr lang="en-US" dirty="0"/>
+          </a:p>
+        </p:txBody>
+      </p:sp>
+      <p:sp>
+        <p:nvSpPr>
+          <p:cNvPr id="3" name="Content Placeholder 2">
+            <a:extLst>
+              <a:ext uri="{FF2B5EF4-FFF2-40B4-BE49-F238E27FC236}">
+                <a16:creationId xmlns:a16="http://schemas.microsoft.com/office/drawing/2014/main" id="{E5C4DA81-4A5D-4B17-BB26-CAB88C97894F}"/>
+              </a:ext>
+            </a:extLst>
+          </p:cNvPr>
+          <p:cNvSpPr>
+            <a:spLocks noGrp="1"/>
+          </p:cNvSpPr>
+          <p:nvPr>
+            <p:ph idx="1"/>
+          </p:nvPr>
+        </p:nvSpPr>
+        <p:spPr/>
+        <p:txBody>
+          <a:bodyPr>
+            <a:normAutofit lnSpcReduction="10000"/>
+          </a:bodyPr>
+          <a:lstStyle/>
+          <a:p>
+            <a:pPr marL="0" indent="0" algn="just">
+              <a:buNone/>
+            </a:pPr>
+            <a:r>
+              <a:rPr lang="ro-RO" dirty="0"/>
+              <a:t>	În momentul în care un utilizator înregistrează un mijloc de transport, locația acestuia este urmarită, și implicit, a mijlocului de transport pe care l-a înregistrat.</a:t>
+            </a:r>
+          </a:p>
+          <a:p>
+            <a:pPr marL="0" indent="0" algn="just">
+              <a:buNone/>
+            </a:pPr>
+            <a:endParaRPr lang="ro-RO" dirty="0"/>
+          </a:p>
+          <a:p>
+            <a:pPr marL="0" indent="0" algn="just">
+              <a:buNone/>
+            </a:pPr>
+            <a:r>
+              <a:rPr lang="ro-RO" dirty="0"/>
+              <a:t>	Acțiunea de înregistrare a unui mijloc de transport a fost gândită astfel încât implicarea necesară a utilizatorului să fie minimală, deoarece un proces anevoios ar fi fost evitat.</a:t>
+            </a:r>
+          </a:p>
+          <a:p>
+            <a:pPr marL="0" indent="0" algn="just">
+              <a:buNone/>
+            </a:pPr>
+            <a:endParaRPr lang="ro-RO" dirty="0"/>
+          </a:p>
+          <a:p>
+            <a:pPr marL="0" indent="0" algn="just">
+              <a:buNone/>
+            </a:pPr>
+            <a:r>
+              <a:rPr lang="ro-RO" dirty="0"/>
+              <a:t>	Tot ce trebuie să facă un utilizator pentru a înregistra un mijloc de transport este să introducă stația din care pornește, stația în care dorește să ajungă și numele liniei. Toate câmpurile prezintă de asemenea funcționalitatea de completare automată.</a:t>
+            </a:r>
+          </a:p>
+        </p:txBody>
+      </p:sp>
+    </p:spTree>
+    <p:extLst>
+      <p:ext uri="{BB962C8B-B14F-4D97-AF65-F5344CB8AC3E}">
+        <p14:creationId xmlns:p14="http://schemas.microsoft.com/office/powerpoint/2010/main" val="1391349867"/>
       </p:ext>
     </p:extLst>
   </p:cSld>
@@ -6369,76 +7046,54 @@
           <a:bodyPr/>
           <a:lstStyle/>
           <a:p>
+            <a:pPr algn="just"/>
             <a:r>
               <a:rPr lang="ro-RO" dirty="0"/>
               <a:t>Motivație</a:t>
             </a:r>
           </a:p>
           <a:p>
+            <a:pPr algn="just"/>
             <a:r>
               <a:rPr lang="ro-RO" dirty="0"/>
               <a:t>Introducere</a:t>
             </a:r>
           </a:p>
           <a:p>
+            <a:pPr algn="just"/>
             <a:r>
               <a:rPr lang="ro-RO" dirty="0"/>
               <a:t>Descriere</a:t>
             </a:r>
           </a:p>
           <a:p>
+            <a:pPr algn="just"/>
             <a:r>
               <a:rPr lang="ro-RO" dirty="0"/>
               <a:t>Arhitectură</a:t>
             </a:r>
           </a:p>
           <a:p>
+            <a:pPr algn="just"/>
             <a:r>
               <a:rPr lang="ro-RO" dirty="0"/>
               <a:t>Demo</a:t>
             </a:r>
           </a:p>
           <a:p>
+            <a:pPr algn="just"/>
             <a:r>
               <a:rPr lang="ro-RO" dirty="0"/>
               <a:t>Concluzii</a:t>
             </a:r>
           </a:p>
           <a:p>
-            <a:r>
-              <a:rPr lang="ro-RO" dirty="0"/>
-              <a:t>Q&amp;A</a:t>
+            <a:pPr algn="just"/>
+            <a:r>
+              <a:rPr lang="ro-RO" dirty="0"/>
+              <a:t>Întrebări</a:t>
             </a:r>
             <a:endParaRPr lang="en-US" dirty="0"/>
-          </a:p>
-        </p:txBody>
-      </p:sp>
-      <p:sp>
-        <p:nvSpPr>
-          <p:cNvPr id="4" name="Slide Number Placeholder 3">
-            <a:extLst>
-              <a:ext uri="{FF2B5EF4-FFF2-40B4-BE49-F238E27FC236}">
-                <a16:creationId xmlns:a16="http://schemas.microsoft.com/office/drawing/2014/main" id="{4A4C37C1-8F95-459D-81B5-3E3E7AA90263}"/>
-              </a:ext>
-            </a:extLst>
-          </p:cNvPr>
-          <p:cNvSpPr>
-            <a:spLocks noGrp="1"/>
-          </p:cNvSpPr>
-          <p:nvPr>
-            <p:ph type="sldNum" sz="quarter" idx="12"/>
-          </p:nvPr>
-        </p:nvSpPr>
-        <p:spPr/>
-        <p:txBody>
-          <a:bodyPr/>
-          <a:lstStyle/>
-          <a:p>
-            <a:fld id="{27E60190-FECD-4FD7-AB11-4681DEC3614A}" type="slidenum">
-              <a:rPr lang="en-US" smtClean="0"/>
-              <a:t>2</a:t>
-            </a:fld>
-            <a:endParaRPr lang="en-US"/>
           </a:p>
         </p:txBody>
       </p:sp>
@@ -6446,6 +7101,1007 @@
     <p:extLst>
       <p:ext uri="{BB962C8B-B14F-4D97-AF65-F5344CB8AC3E}">
         <p14:creationId xmlns:p14="http://schemas.microsoft.com/office/powerpoint/2010/main" val="3375859404"/>
+      </p:ext>
+    </p:extLst>
+  </p:cSld>
+  <p:clrMapOvr>
+    <a:masterClrMapping/>
+  </p:clrMapOvr>
+</p:sld>
+</file>
+
+<file path=ppt/slides/slide20.xml><?xml version="1.0" encoding="utf-8"?>
+<p:sld xmlns:a="http://schemas.openxmlformats.org/drawingml/2006/main" xmlns:r="http://schemas.openxmlformats.org/officeDocument/2006/relationships" xmlns:p="http://schemas.openxmlformats.org/presentationml/2006/main">
+  <p:cSld>
+    <p:spTree>
+      <p:nvGrpSpPr>
+        <p:cNvPr id="1" name=""/>
+        <p:cNvGrpSpPr/>
+        <p:nvPr/>
+      </p:nvGrpSpPr>
+      <p:grpSpPr>
+        <a:xfrm>
+          <a:off x="0" y="0"/>
+          <a:ext cx="0" cy="0"/>
+          <a:chOff x="0" y="0"/>
+          <a:chExt cx="0" cy="0"/>
+        </a:xfrm>
+      </p:grpSpPr>
+      <p:sp>
+        <p:nvSpPr>
+          <p:cNvPr id="2" name="Title 1">
+            <a:extLst>
+              <a:ext uri="{FF2B5EF4-FFF2-40B4-BE49-F238E27FC236}">
+                <a16:creationId xmlns:a16="http://schemas.microsoft.com/office/drawing/2014/main" id="{DE2C52E7-7354-4FFF-A533-C8597972B717}"/>
+              </a:ext>
+            </a:extLst>
+          </p:cNvPr>
+          <p:cNvSpPr>
+            <a:spLocks noGrp="1"/>
+          </p:cNvSpPr>
+          <p:nvPr>
+            <p:ph type="title"/>
+          </p:nvPr>
+        </p:nvSpPr>
+        <p:spPr/>
+        <p:txBody>
+          <a:bodyPr/>
+          <a:lstStyle/>
+          <a:p>
+            <a:r>
+              <a:rPr lang="ro-RO" dirty="0"/>
+              <a:t>Arhitectură</a:t>
+            </a:r>
+            <a:endParaRPr lang="en-US" dirty="0"/>
+          </a:p>
+        </p:txBody>
+      </p:sp>
+      <p:sp>
+        <p:nvSpPr>
+          <p:cNvPr id="3" name="Content Placeholder 2">
+            <a:extLst>
+              <a:ext uri="{FF2B5EF4-FFF2-40B4-BE49-F238E27FC236}">
+                <a16:creationId xmlns:a16="http://schemas.microsoft.com/office/drawing/2014/main" id="{8FDB15DE-48AA-4DA3-B1D1-42EDDF70C60E}"/>
+              </a:ext>
+            </a:extLst>
+          </p:cNvPr>
+          <p:cNvSpPr>
+            <a:spLocks noGrp="1"/>
+          </p:cNvSpPr>
+          <p:nvPr>
+            <p:ph idx="1"/>
+          </p:nvPr>
+        </p:nvSpPr>
+        <p:spPr>
+          <a:xfrm>
+            <a:off x="677334" y="2035460"/>
+            <a:ext cx="8596668" cy="3880773"/>
+          </a:xfrm>
+        </p:spPr>
+        <p:txBody>
+          <a:bodyPr/>
+          <a:lstStyle/>
+          <a:p>
+            <a:pPr marL="0" indent="0">
+              <a:buNone/>
+            </a:pPr>
+            <a:r>
+              <a:rPr lang="ro-RO" dirty="0"/>
+              <a:t>	</a:t>
+            </a:r>
+            <a:endParaRPr lang="en-US" dirty="0"/>
+          </a:p>
+        </p:txBody>
+      </p:sp>
+      <p:pic>
+        <p:nvPicPr>
+          <p:cNvPr id="1026" name="Picture 2">
+            <a:extLst>
+              <a:ext uri="{FF2B5EF4-FFF2-40B4-BE49-F238E27FC236}">
+                <a16:creationId xmlns:a16="http://schemas.microsoft.com/office/drawing/2014/main" id="{F55C9AB6-65EC-4B81-818F-06A89DC91F26}"/>
+              </a:ext>
+            </a:extLst>
+          </p:cNvPr>
+          <p:cNvPicPr>
+            <a:picLocks noChangeAspect="1" noChangeArrowheads="1"/>
+          </p:cNvPicPr>
+          <p:nvPr/>
+        </p:nvPicPr>
+        <p:blipFill>
+          <a:blip r:embed="rId2">
+            <a:extLst>
+              <a:ext uri="{28A0092B-C50C-407E-A947-70E740481C1C}">
+                <a14:useLocalDpi xmlns:a14="http://schemas.microsoft.com/office/drawing/2010/main" val="0"/>
+              </a:ext>
+            </a:extLst>
+          </a:blip>
+          <a:srcRect/>
+          <a:stretch>
+            <a:fillRect/>
+          </a:stretch>
+        </p:blipFill>
+        <p:spPr bwMode="auto">
+          <a:xfrm>
+            <a:off x="793783" y="1414462"/>
+            <a:ext cx="7050805" cy="4954303"/>
+          </a:xfrm>
+          <a:prstGeom prst="rect">
+            <a:avLst/>
+          </a:prstGeom>
+          <a:noFill/>
+          <a:extLst>
+            <a:ext uri="{909E8E84-426E-40DD-AFC4-6F175D3DCCD1}">
+              <a14:hiddenFill xmlns:a14="http://schemas.microsoft.com/office/drawing/2010/main">
+                <a:solidFill>
+                  <a:srgbClr val="FFFFFF"/>
+                </a:solidFill>
+              </a14:hiddenFill>
+            </a:ext>
+          </a:extLst>
+        </p:spPr>
+      </p:pic>
+    </p:spTree>
+    <p:extLst>
+      <p:ext uri="{BB962C8B-B14F-4D97-AF65-F5344CB8AC3E}">
+        <p14:creationId xmlns:p14="http://schemas.microsoft.com/office/powerpoint/2010/main" val="3532362493"/>
+      </p:ext>
+    </p:extLst>
+  </p:cSld>
+  <p:clrMapOvr>
+    <a:masterClrMapping/>
+  </p:clrMapOvr>
+</p:sld>
+</file>
+
+<file path=ppt/slides/slide21.xml><?xml version="1.0" encoding="utf-8"?>
+<p:sld xmlns:a="http://schemas.openxmlformats.org/drawingml/2006/main" xmlns:r="http://schemas.openxmlformats.org/officeDocument/2006/relationships" xmlns:p="http://schemas.openxmlformats.org/presentationml/2006/main">
+  <p:cSld>
+    <p:spTree>
+      <p:nvGrpSpPr>
+        <p:cNvPr id="1" name=""/>
+        <p:cNvGrpSpPr/>
+        <p:nvPr/>
+      </p:nvGrpSpPr>
+      <p:grpSpPr>
+        <a:xfrm>
+          <a:off x="0" y="0"/>
+          <a:ext cx="0" cy="0"/>
+          <a:chOff x="0" y="0"/>
+          <a:chExt cx="0" cy="0"/>
+        </a:xfrm>
+      </p:grpSpPr>
+      <p:sp>
+        <p:nvSpPr>
+          <p:cNvPr id="2" name="Title 1">
+            <a:extLst>
+              <a:ext uri="{FF2B5EF4-FFF2-40B4-BE49-F238E27FC236}">
+                <a16:creationId xmlns:a16="http://schemas.microsoft.com/office/drawing/2014/main" id="{DE2C52E7-7354-4FFF-A533-C8597972B717}"/>
+              </a:ext>
+            </a:extLst>
+          </p:cNvPr>
+          <p:cNvSpPr>
+            <a:spLocks noGrp="1"/>
+          </p:cNvSpPr>
+          <p:nvPr>
+            <p:ph type="title"/>
+          </p:nvPr>
+        </p:nvSpPr>
+        <p:spPr/>
+        <p:txBody>
+          <a:bodyPr/>
+          <a:lstStyle/>
+          <a:p>
+            <a:r>
+              <a:rPr lang="ro-RO" dirty="0"/>
+              <a:t>Arhitectură</a:t>
+            </a:r>
+            <a:endParaRPr lang="en-US" dirty="0"/>
+          </a:p>
+        </p:txBody>
+      </p:sp>
+      <p:sp>
+        <p:nvSpPr>
+          <p:cNvPr id="3" name="Content Placeholder 2">
+            <a:extLst>
+              <a:ext uri="{FF2B5EF4-FFF2-40B4-BE49-F238E27FC236}">
+                <a16:creationId xmlns:a16="http://schemas.microsoft.com/office/drawing/2014/main" id="{8FDB15DE-48AA-4DA3-B1D1-42EDDF70C60E}"/>
+              </a:ext>
+            </a:extLst>
+          </p:cNvPr>
+          <p:cNvSpPr>
+            <a:spLocks noGrp="1"/>
+          </p:cNvSpPr>
+          <p:nvPr>
+            <p:ph idx="1"/>
+          </p:nvPr>
+        </p:nvSpPr>
+        <p:spPr>
+          <a:xfrm>
+            <a:off x="677334" y="2035460"/>
+            <a:ext cx="8596668" cy="3880773"/>
+          </a:xfrm>
+        </p:spPr>
+        <p:txBody>
+          <a:bodyPr/>
+          <a:lstStyle/>
+          <a:p>
+            <a:pPr marL="0" indent="0" algn="just">
+              <a:buNone/>
+            </a:pPr>
+            <a:r>
+              <a:rPr lang="ro-RO" dirty="0"/>
+              <a:t>	La nivel de backend, aplicația este împărțită în 2 mari module:</a:t>
+            </a:r>
+          </a:p>
+        </p:txBody>
+      </p:sp>
+    </p:spTree>
+    <p:extLst>
+      <p:ext uri="{BB962C8B-B14F-4D97-AF65-F5344CB8AC3E}">
+        <p14:creationId xmlns:p14="http://schemas.microsoft.com/office/powerpoint/2010/main" val="3702035983"/>
+      </p:ext>
+    </p:extLst>
+  </p:cSld>
+  <p:clrMapOvr>
+    <a:masterClrMapping/>
+  </p:clrMapOvr>
+</p:sld>
+</file>
+
+<file path=ppt/slides/slide22.xml><?xml version="1.0" encoding="utf-8"?>
+<p:sld xmlns:a="http://schemas.openxmlformats.org/drawingml/2006/main" xmlns:r="http://schemas.openxmlformats.org/officeDocument/2006/relationships" xmlns:p="http://schemas.openxmlformats.org/presentationml/2006/main">
+  <p:cSld>
+    <p:spTree>
+      <p:nvGrpSpPr>
+        <p:cNvPr id="1" name=""/>
+        <p:cNvGrpSpPr/>
+        <p:nvPr/>
+      </p:nvGrpSpPr>
+      <p:grpSpPr>
+        <a:xfrm>
+          <a:off x="0" y="0"/>
+          <a:ext cx="0" cy="0"/>
+          <a:chOff x="0" y="0"/>
+          <a:chExt cx="0" cy="0"/>
+        </a:xfrm>
+      </p:grpSpPr>
+      <p:sp>
+        <p:nvSpPr>
+          <p:cNvPr id="2" name="Title 1">
+            <a:extLst>
+              <a:ext uri="{FF2B5EF4-FFF2-40B4-BE49-F238E27FC236}">
+                <a16:creationId xmlns:a16="http://schemas.microsoft.com/office/drawing/2014/main" id="{DE2C52E7-7354-4FFF-A533-C8597972B717}"/>
+              </a:ext>
+            </a:extLst>
+          </p:cNvPr>
+          <p:cNvSpPr>
+            <a:spLocks noGrp="1"/>
+          </p:cNvSpPr>
+          <p:nvPr>
+            <p:ph type="title"/>
+          </p:nvPr>
+        </p:nvSpPr>
+        <p:spPr/>
+        <p:txBody>
+          <a:bodyPr/>
+          <a:lstStyle/>
+          <a:p>
+            <a:r>
+              <a:rPr lang="ro-RO" dirty="0"/>
+              <a:t>Arhitectură</a:t>
+            </a:r>
+            <a:endParaRPr lang="en-US" dirty="0"/>
+          </a:p>
+        </p:txBody>
+      </p:sp>
+      <p:sp>
+        <p:nvSpPr>
+          <p:cNvPr id="3" name="Content Placeholder 2">
+            <a:extLst>
+              <a:ext uri="{FF2B5EF4-FFF2-40B4-BE49-F238E27FC236}">
+                <a16:creationId xmlns:a16="http://schemas.microsoft.com/office/drawing/2014/main" id="{8FDB15DE-48AA-4DA3-B1D1-42EDDF70C60E}"/>
+              </a:ext>
+            </a:extLst>
+          </p:cNvPr>
+          <p:cNvSpPr>
+            <a:spLocks noGrp="1"/>
+          </p:cNvSpPr>
+          <p:nvPr>
+            <p:ph idx="1"/>
+          </p:nvPr>
+        </p:nvSpPr>
+        <p:spPr>
+          <a:xfrm>
+            <a:off x="677334" y="2035460"/>
+            <a:ext cx="8596668" cy="3880773"/>
+          </a:xfrm>
+        </p:spPr>
+        <p:txBody>
+          <a:bodyPr/>
+          <a:lstStyle/>
+          <a:p>
+            <a:pPr marL="0" indent="0" algn="just">
+              <a:buNone/>
+            </a:pPr>
+            <a:r>
+              <a:rPr lang="ro-RO" dirty="0"/>
+              <a:t>	La nivel de backend, aplicația este împărțită în 2 mari module:</a:t>
+            </a:r>
+          </a:p>
+          <a:p>
+            <a:pPr lvl="1" algn="just"/>
+            <a:r>
+              <a:rPr lang="ro-RO" dirty="0"/>
+              <a:t>Modulul de import, ce se ocupă cu importarea datelor de pe site-ul CTP</a:t>
+            </a:r>
+          </a:p>
+        </p:txBody>
+      </p:sp>
+    </p:spTree>
+    <p:extLst>
+      <p:ext uri="{BB962C8B-B14F-4D97-AF65-F5344CB8AC3E}">
+        <p14:creationId xmlns:p14="http://schemas.microsoft.com/office/powerpoint/2010/main" val="3067729378"/>
+      </p:ext>
+    </p:extLst>
+  </p:cSld>
+  <p:clrMapOvr>
+    <a:masterClrMapping/>
+  </p:clrMapOvr>
+</p:sld>
+</file>
+
+<file path=ppt/slides/slide23.xml><?xml version="1.0" encoding="utf-8"?>
+<p:sld xmlns:a="http://schemas.openxmlformats.org/drawingml/2006/main" xmlns:r="http://schemas.openxmlformats.org/officeDocument/2006/relationships" xmlns:p="http://schemas.openxmlformats.org/presentationml/2006/main">
+  <p:cSld>
+    <p:spTree>
+      <p:nvGrpSpPr>
+        <p:cNvPr id="1" name=""/>
+        <p:cNvGrpSpPr/>
+        <p:nvPr/>
+      </p:nvGrpSpPr>
+      <p:grpSpPr>
+        <a:xfrm>
+          <a:off x="0" y="0"/>
+          <a:ext cx="0" cy="0"/>
+          <a:chOff x="0" y="0"/>
+          <a:chExt cx="0" cy="0"/>
+        </a:xfrm>
+      </p:grpSpPr>
+      <p:sp>
+        <p:nvSpPr>
+          <p:cNvPr id="2" name="Title 1">
+            <a:extLst>
+              <a:ext uri="{FF2B5EF4-FFF2-40B4-BE49-F238E27FC236}">
+                <a16:creationId xmlns:a16="http://schemas.microsoft.com/office/drawing/2014/main" id="{DE2C52E7-7354-4FFF-A533-C8597972B717}"/>
+              </a:ext>
+            </a:extLst>
+          </p:cNvPr>
+          <p:cNvSpPr>
+            <a:spLocks noGrp="1"/>
+          </p:cNvSpPr>
+          <p:nvPr>
+            <p:ph type="title"/>
+          </p:nvPr>
+        </p:nvSpPr>
+        <p:spPr/>
+        <p:txBody>
+          <a:bodyPr/>
+          <a:lstStyle/>
+          <a:p>
+            <a:r>
+              <a:rPr lang="ro-RO" dirty="0"/>
+              <a:t>Arhitectură</a:t>
+            </a:r>
+            <a:endParaRPr lang="en-US" dirty="0"/>
+          </a:p>
+        </p:txBody>
+      </p:sp>
+      <p:sp>
+        <p:nvSpPr>
+          <p:cNvPr id="3" name="Content Placeholder 2">
+            <a:extLst>
+              <a:ext uri="{FF2B5EF4-FFF2-40B4-BE49-F238E27FC236}">
+                <a16:creationId xmlns:a16="http://schemas.microsoft.com/office/drawing/2014/main" id="{8FDB15DE-48AA-4DA3-B1D1-42EDDF70C60E}"/>
+              </a:ext>
+            </a:extLst>
+          </p:cNvPr>
+          <p:cNvSpPr>
+            <a:spLocks noGrp="1"/>
+          </p:cNvSpPr>
+          <p:nvPr>
+            <p:ph idx="1"/>
+          </p:nvPr>
+        </p:nvSpPr>
+        <p:spPr>
+          <a:xfrm>
+            <a:off x="677334" y="2035460"/>
+            <a:ext cx="8596668" cy="3880773"/>
+          </a:xfrm>
+        </p:spPr>
+        <p:txBody>
+          <a:bodyPr/>
+          <a:lstStyle/>
+          <a:p>
+            <a:pPr marL="0" indent="0" algn="just">
+              <a:buNone/>
+            </a:pPr>
+            <a:r>
+              <a:rPr lang="ro-RO" dirty="0"/>
+              <a:t>	La nivel de backend, aplicația este împărțită în 2 mari module:</a:t>
+            </a:r>
+          </a:p>
+          <a:p>
+            <a:pPr lvl="1" algn="just"/>
+            <a:r>
+              <a:rPr lang="ro-RO" dirty="0"/>
+              <a:t>Modulul de import, ce se ocupă cu importarea datelor de pe site-ul CTP</a:t>
+            </a:r>
+          </a:p>
+          <a:p>
+            <a:pPr lvl="1" algn="just"/>
+            <a:r>
+              <a:rPr lang="ro-RO" dirty="0"/>
+              <a:t>Modulul principal, în care se află toată logica ce ține de gestionarea mijloacelor de transport</a:t>
+            </a:r>
+          </a:p>
+        </p:txBody>
+      </p:sp>
+    </p:spTree>
+    <p:extLst>
+      <p:ext uri="{BB962C8B-B14F-4D97-AF65-F5344CB8AC3E}">
+        <p14:creationId xmlns:p14="http://schemas.microsoft.com/office/powerpoint/2010/main" val="1229164144"/>
+      </p:ext>
+    </p:extLst>
+  </p:cSld>
+  <p:clrMapOvr>
+    <a:masterClrMapping/>
+  </p:clrMapOvr>
+</p:sld>
+</file>
+
+<file path=ppt/slides/slide24.xml><?xml version="1.0" encoding="utf-8"?>
+<p:sld xmlns:a="http://schemas.openxmlformats.org/drawingml/2006/main" xmlns:r="http://schemas.openxmlformats.org/officeDocument/2006/relationships" xmlns:p="http://schemas.openxmlformats.org/presentationml/2006/main">
+  <p:cSld>
+    <p:spTree>
+      <p:nvGrpSpPr>
+        <p:cNvPr id="1" name=""/>
+        <p:cNvGrpSpPr/>
+        <p:nvPr/>
+      </p:nvGrpSpPr>
+      <p:grpSpPr>
+        <a:xfrm>
+          <a:off x="0" y="0"/>
+          <a:ext cx="0" cy="0"/>
+          <a:chOff x="0" y="0"/>
+          <a:chExt cx="0" cy="0"/>
+        </a:xfrm>
+      </p:grpSpPr>
+      <p:sp>
+        <p:nvSpPr>
+          <p:cNvPr id="2" name="Title 1">
+            <a:extLst>
+              <a:ext uri="{FF2B5EF4-FFF2-40B4-BE49-F238E27FC236}">
+                <a16:creationId xmlns:a16="http://schemas.microsoft.com/office/drawing/2014/main" id="{DE2C52E7-7354-4FFF-A533-C8597972B717}"/>
+              </a:ext>
+            </a:extLst>
+          </p:cNvPr>
+          <p:cNvSpPr>
+            <a:spLocks noGrp="1"/>
+          </p:cNvSpPr>
+          <p:nvPr>
+            <p:ph type="title"/>
+          </p:nvPr>
+        </p:nvSpPr>
+        <p:spPr/>
+        <p:txBody>
+          <a:bodyPr/>
+          <a:lstStyle/>
+          <a:p>
+            <a:r>
+              <a:rPr lang="ro-RO" dirty="0"/>
+              <a:t>Arhitectură</a:t>
+            </a:r>
+            <a:endParaRPr lang="en-US" dirty="0"/>
+          </a:p>
+        </p:txBody>
+      </p:sp>
+      <p:sp>
+        <p:nvSpPr>
+          <p:cNvPr id="3" name="Content Placeholder 2">
+            <a:extLst>
+              <a:ext uri="{FF2B5EF4-FFF2-40B4-BE49-F238E27FC236}">
+                <a16:creationId xmlns:a16="http://schemas.microsoft.com/office/drawing/2014/main" id="{8FDB15DE-48AA-4DA3-B1D1-42EDDF70C60E}"/>
+              </a:ext>
+            </a:extLst>
+          </p:cNvPr>
+          <p:cNvSpPr>
+            <a:spLocks noGrp="1"/>
+          </p:cNvSpPr>
+          <p:nvPr>
+            <p:ph idx="1"/>
+          </p:nvPr>
+        </p:nvSpPr>
+        <p:spPr>
+          <a:xfrm>
+            <a:off x="677334" y="2035460"/>
+            <a:ext cx="8596668" cy="3880773"/>
+          </a:xfrm>
+        </p:spPr>
+        <p:txBody>
+          <a:bodyPr/>
+          <a:lstStyle/>
+          <a:p>
+            <a:pPr marL="0" indent="0" algn="just">
+              <a:buNone/>
+            </a:pPr>
+            <a:r>
+              <a:rPr lang="ro-RO" dirty="0"/>
+              <a:t>	La nivel de frontend,</a:t>
+            </a:r>
+            <a:r>
+              <a:rPr lang="en-US" dirty="0"/>
+              <a:t> </a:t>
+            </a:r>
+            <a:r>
+              <a:rPr lang="ro-RO" dirty="0"/>
+              <a:t>folosesc</a:t>
+            </a:r>
+            <a:r>
+              <a:rPr lang="en-US" dirty="0"/>
+              <a:t> HTML5 Geolocation API </a:t>
+            </a:r>
+            <a:r>
+              <a:rPr lang="ro-RO" dirty="0"/>
+              <a:t>pentru</a:t>
+            </a:r>
+            <a:r>
+              <a:rPr lang="en-US" dirty="0"/>
+              <a:t> a </a:t>
+            </a:r>
+            <a:r>
+              <a:rPr lang="ro-RO" dirty="0"/>
+              <a:t>urmări locația utilizator.</a:t>
+            </a:r>
+          </a:p>
+          <a:p>
+            <a:pPr marL="0" indent="0" algn="just">
+              <a:buNone/>
+            </a:pPr>
+            <a:endParaRPr lang="ro-RO" dirty="0"/>
+          </a:p>
+          <a:p>
+            <a:pPr marL="0" indent="0" algn="just">
+              <a:buNone/>
+            </a:pPr>
+            <a:r>
+              <a:rPr lang="ro-RO" dirty="0"/>
+              <a:t>	Componentele și serviciile sunt construite în comformitate cu Angular styleguide, au fost respectate convenții de denumire, principii precum Single Responsability, etc.</a:t>
+            </a:r>
+          </a:p>
+          <a:p>
+            <a:pPr marL="0" indent="0" algn="just">
+              <a:buNone/>
+            </a:pPr>
+            <a:endParaRPr lang="ro-RO" dirty="0"/>
+          </a:p>
+          <a:p>
+            <a:pPr marL="0" indent="0" algn="just">
+              <a:buNone/>
+            </a:pPr>
+            <a:r>
+              <a:rPr lang="ro-RO" dirty="0"/>
+              <a:t>	De asemenea au fost luate în calcul și</a:t>
+            </a:r>
+            <a:r>
+              <a:rPr lang="en-US" dirty="0"/>
+              <a:t> </a:t>
+            </a:r>
+            <a:r>
+              <a:rPr lang="ro-RO" dirty="0"/>
+              <a:t>practicile folosite pentru a scrie cod Typescript, cum ar fi: folosirea de tipuri primitive, definirea concretă a tipurilor de date așteptate, etc.</a:t>
+            </a:r>
+          </a:p>
+        </p:txBody>
+      </p:sp>
+    </p:spTree>
+    <p:extLst>
+      <p:ext uri="{BB962C8B-B14F-4D97-AF65-F5344CB8AC3E}">
+        <p14:creationId xmlns:p14="http://schemas.microsoft.com/office/powerpoint/2010/main" val="2488910912"/>
+      </p:ext>
+    </p:extLst>
+  </p:cSld>
+  <p:clrMapOvr>
+    <a:masterClrMapping/>
+  </p:clrMapOvr>
+</p:sld>
+</file>
+
+<file path=ppt/slides/slide25.xml><?xml version="1.0" encoding="utf-8"?>
+<p:sld xmlns:a="http://schemas.openxmlformats.org/drawingml/2006/main" xmlns:r="http://schemas.openxmlformats.org/officeDocument/2006/relationships" xmlns:p="http://schemas.openxmlformats.org/presentationml/2006/main">
+  <p:cSld>
+    <p:spTree>
+      <p:nvGrpSpPr>
+        <p:cNvPr id="1" name=""/>
+        <p:cNvGrpSpPr/>
+        <p:nvPr/>
+      </p:nvGrpSpPr>
+      <p:grpSpPr>
+        <a:xfrm>
+          <a:off x="0" y="0"/>
+          <a:ext cx="0" cy="0"/>
+          <a:chOff x="0" y="0"/>
+          <a:chExt cx="0" cy="0"/>
+        </a:xfrm>
+      </p:grpSpPr>
+      <p:sp>
+        <p:nvSpPr>
+          <p:cNvPr id="2" name="Title 1">
+            <a:extLst>
+              <a:ext uri="{FF2B5EF4-FFF2-40B4-BE49-F238E27FC236}">
+                <a16:creationId xmlns:a16="http://schemas.microsoft.com/office/drawing/2014/main" id="{3EEE3BE0-CA42-4B22-96F9-78BA29B997F0}"/>
+              </a:ext>
+            </a:extLst>
+          </p:cNvPr>
+          <p:cNvSpPr>
+            <a:spLocks noGrp="1"/>
+          </p:cNvSpPr>
+          <p:nvPr>
+            <p:ph type="title"/>
+          </p:nvPr>
+        </p:nvSpPr>
+        <p:spPr/>
+        <p:txBody>
+          <a:bodyPr/>
+          <a:lstStyle/>
+          <a:p>
+            <a:r>
+              <a:rPr lang="ro-RO" dirty="0"/>
+              <a:t>Demo</a:t>
+            </a:r>
+            <a:endParaRPr lang="en-US" dirty="0"/>
+          </a:p>
+        </p:txBody>
+      </p:sp>
+      <p:pic>
+        <p:nvPicPr>
+          <p:cNvPr id="6" name="dubla4">
+            <a:hlinkClick r:id="" action="ppaction://media"/>
+            <a:extLst>
+              <a:ext uri="{FF2B5EF4-FFF2-40B4-BE49-F238E27FC236}">
+                <a16:creationId xmlns:a16="http://schemas.microsoft.com/office/drawing/2014/main" id="{164D8730-DB73-427B-BF3A-CEBC36CD04D9}"/>
+              </a:ext>
+            </a:extLst>
+          </p:cNvPr>
+          <p:cNvPicPr>
+            <a:picLocks noGrp="1" noChangeAspect="1"/>
+          </p:cNvPicPr>
+          <p:nvPr>
+            <p:ph idx="1"/>
+            <a:videoFile r:link="rId2"/>
+            <p:extLst>
+              <p:ext uri="{DAA4B4D4-6D71-4841-9C94-3DE7FCFB9230}">
+                <p14:media xmlns:p14="http://schemas.microsoft.com/office/powerpoint/2010/main" r:embed="rId1"/>
+              </p:ext>
+            </p:extLst>
+          </p:nvPr>
+        </p:nvPicPr>
+        <p:blipFill>
+          <a:blip r:embed="rId4"/>
+          <a:stretch>
+            <a:fillRect/>
+          </a:stretch>
+        </p:blipFill>
+        <p:spPr>
+          <a:xfrm>
+            <a:off x="784442" y="1488281"/>
+            <a:ext cx="7792829" cy="4383130"/>
+          </a:xfrm>
+        </p:spPr>
+      </p:pic>
+    </p:spTree>
+    <p:extLst>
+      <p:ext uri="{BB962C8B-B14F-4D97-AF65-F5344CB8AC3E}">
+        <p14:creationId xmlns:p14="http://schemas.microsoft.com/office/powerpoint/2010/main" val="892560405"/>
+      </p:ext>
+    </p:extLst>
+  </p:cSld>
+  <p:clrMapOvr>
+    <a:masterClrMapping/>
+  </p:clrMapOvr>
+  <p:timing>
+    <p:tnLst>
+      <p:par>
+        <p:cTn id="1" dur="indefinite" restart="never" nodeType="tmRoot">
+          <p:childTnLst>
+            <p:seq concurrent="1" nextAc="seek">
+              <p:cTn id="2" dur="indefinite" nodeType="mainSeq">
+                <p:childTnLst>
+                  <p:par>
+                    <p:cTn id="3" fill="hold">
+                      <p:stCondLst>
+                        <p:cond delay="indefinite"/>
+                      </p:stCondLst>
+                      <p:childTnLst>
+                        <p:par>
+                          <p:cTn id="4" fill="hold">
+                            <p:stCondLst>
+                              <p:cond delay="0"/>
+                            </p:stCondLst>
+                            <p:childTnLst>
+                              <p:par>
+                                <p:cTn id="5" presetID="1" presetClass="mediacall" presetSubtype="0" fill="hold" nodeType="clickEffect">
+                                  <p:stCondLst>
+                                    <p:cond delay="0"/>
+                                  </p:stCondLst>
+                                  <p:childTnLst>
+                                    <p:cmd type="call" cmd="playFrom(0.0)">
+                                      <p:cBhvr>
+                                        <p:cTn id="6" dur="128484" fill="hold"/>
+                                        <p:tgtEl>
+                                          <p:spTgt spid="6"/>
+                                        </p:tgtEl>
+                                      </p:cBhvr>
+                                    </p:cmd>
+                                  </p:childTnLst>
+                                </p:cTn>
+                              </p:par>
+                            </p:childTnLst>
+                          </p:cTn>
+                        </p:par>
+                      </p:childTnLst>
+                    </p:cTn>
+                  </p:par>
+                </p:childTnLst>
+              </p:cTn>
+              <p:prevCondLst>
+                <p:cond evt="onPrev" delay="0">
+                  <p:tgtEl>
+                    <p:sldTgt/>
+                  </p:tgtEl>
+                </p:cond>
+              </p:prevCondLst>
+              <p:nextCondLst>
+                <p:cond evt="onNext" delay="0">
+                  <p:tgtEl>
+                    <p:sldTgt/>
+                  </p:tgtEl>
+                </p:cond>
+              </p:nextCondLst>
+            </p:seq>
+            <p:video fullScrn="1">
+              <p:cMediaNode vol="80000">
+                <p:cTn id="7" fill="hold" display="0">
+                  <p:stCondLst>
+                    <p:cond delay="indefinite"/>
+                  </p:stCondLst>
+                </p:cTn>
+                <p:tgtEl>
+                  <p:spTgt spid="6"/>
+                </p:tgtEl>
+              </p:cMediaNode>
+            </p:video>
+            <p:seq concurrent="1" nextAc="seek">
+              <p:cTn id="8" restart="whenNotActive" fill="hold" evtFilter="cancelBubble" nodeType="interactiveSeq">
+                <p:stCondLst>
+                  <p:cond evt="onClick" delay="0">
+                    <p:tgtEl>
+                      <p:spTgt spid="6"/>
+                    </p:tgtEl>
+                  </p:cond>
+                </p:stCondLst>
+                <p:endSync evt="end" delay="0">
+                  <p:rtn val="all"/>
+                </p:endSync>
+                <p:childTnLst>
+                  <p:par>
+                    <p:cTn id="9" fill="hold">
+                      <p:stCondLst>
+                        <p:cond delay="0"/>
+                      </p:stCondLst>
+                      <p:childTnLst>
+                        <p:par>
+                          <p:cTn id="10" fill="hold">
+                            <p:stCondLst>
+                              <p:cond delay="0"/>
+                            </p:stCondLst>
+                            <p:childTnLst>
+                              <p:par>
+                                <p:cTn id="11" presetID="2" presetClass="mediacall" presetSubtype="0" fill="hold" nodeType="clickEffect">
+                                  <p:stCondLst>
+                                    <p:cond delay="0"/>
+                                  </p:stCondLst>
+                                  <p:childTnLst>
+                                    <p:cmd type="call" cmd="togglePause">
+                                      <p:cBhvr>
+                                        <p:cTn id="12" dur="1" fill="hold"/>
+                                        <p:tgtEl>
+                                          <p:spTgt spid="6"/>
+                                        </p:tgtEl>
+                                      </p:cBhvr>
+                                    </p:cmd>
+                                  </p:childTnLst>
+                                </p:cTn>
+                              </p:par>
+                            </p:childTnLst>
+                          </p:cTn>
+                        </p:par>
+                      </p:childTnLst>
+                    </p:cTn>
+                  </p:par>
+                </p:childTnLst>
+              </p:cTn>
+              <p:nextCondLst>
+                <p:cond evt="onClick" delay="0">
+                  <p:tgtEl>
+                    <p:spTgt spid="6"/>
+                  </p:tgtEl>
+                </p:cond>
+              </p:nextCondLst>
+            </p:seq>
+          </p:childTnLst>
+        </p:cTn>
+      </p:par>
+    </p:tnLst>
+  </p:timing>
+</p:sld>
+</file>
+
+<file path=ppt/slides/slide26.xml><?xml version="1.0" encoding="utf-8"?>
+<p:sld xmlns:a="http://schemas.openxmlformats.org/drawingml/2006/main" xmlns:r="http://schemas.openxmlformats.org/officeDocument/2006/relationships" xmlns:p="http://schemas.openxmlformats.org/presentationml/2006/main">
+  <p:cSld>
+    <p:spTree>
+      <p:nvGrpSpPr>
+        <p:cNvPr id="1" name=""/>
+        <p:cNvGrpSpPr/>
+        <p:nvPr/>
+      </p:nvGrpSpPr>
+      <p:grpSpPr>
+        <a:xfrm>
+          <a:off x="0" y="0"/>
+          <a:ext cx="0" cy="0"/>
+          <a:chOff x="0" y="0"/>
+          <a:chExt cx="0" cy="0"/>
+        </a:xfrm>
+      </p:grpSpPr>
+      <p:sp>
+        <p:nvSpPr>
+          <p:cNvPr id="2" name="Title 1">
+            <a:extLst>
+              <a:ext uri="{FF2B5EF4-FFF2-40B4-BE49-F238E27FC236}">
+                <a16:creationId xmlns:a16="http://schemas.microsoft.com/office/drawing/2014/main" id="{08F0CEF2-D13E-4EDB-9584-5A03EA153813}"/>
+              </a:ext>
+            </a:extLst>
+          </p:cNvPr>
+          <p:cNvSpPr>
+            <a:spLocks noGrp="1"/>
+          </p:cNvSpPr>
+          <p:nvPr>
+            <p:ph type="title"/>
+          </p:nvPr>
+        </p:nvSpPr>
+        <p:spPr/>
+        <p:txBody>
+          <a:bodyPr/>
+          <a:lstStyle/>
+          <a:p>
+            <a:r>
+              <a:rPr lang="ro-RO" dirty="0"/>
+              <a:t>Concluzii</a:t>
+            </a:r>
+            <a:endParaRPr lang="en-US" dirty="0"/>
+          </a:p>
+        </p:txBody>
+      </p:sp>
+      <p:sp>
+        <p:nvSpPr>
+          <p:cNvPr id="3" name="Content Placeholder 2">
+            <a:extLst>
+              <a:ext uri="{FF2B5EF4-FFF2-40B4-BE49-F238E27FC236}">
+                <a16:creationId xmlns:a16="http://schemas.microsoft.com/office/drawing/2014/main" id="{F79DAB53-772C-41BA-BC18-A84E7F0FA187}"/>
+              </a:ext>
+            </a:extLst>
+          </p:cNvPr>
+          <p:cNvSpPr>
+            <a:spLocks noGrp="1"/>
+          </p:cNvSpPr>
+          <p:nvPr>
+            <p:ph idx="1"/>
+          </p:nvPr>
+        </p:nvSpPr>
+        <p:spPr/>
+        <p:txBody>
+          <a:bodyPr/>
+          <a:lstStyle/>
+          <a:p>
+            <a:pPr marL="0" indent="0" algn="just">
+              <a:buNone/>
+            </a:pPr>
+            <a:r>
+              <a:rPr lang="ro-RO" dirty="0"/>
+              <a:t>	PublicTransportMonitor a fost construită cu scopul îmbunătățirii serviciilor de transport public prin intermediul comunității.</a:t>
+            </a:r>
+          </a:p>
+          <a:p>
+            <a:pPr marL="0" indent="0" algn="just">
+              <a:buNone/>
+            </a:pPr>
+            <a:endParaRPr lang="ro-RO" dirty="0"/>
+          </a:p>
+          <a:p>
+            <a:pPr marL="0" indent="0" algn="just">
+              <a:buNone/>
+            </a:pPr>
+            <a:r>
+              <a:rPr lang="ro-RO" dirty="0"/>
+              <a:t>	Aplicația poate fi extinsă cu funcționalități ce țin de notificarea inteligentă a utilizatorilor cu informații despre liniile de interes pentru aceștia.</a:t>
+            </a:r>
+            <a:endParaRPr lang="en-US" dirty="0"/>
+          </a:p>
+        </p:txBody>
+      </p:sp>
+    </p:spTree>
+    <p:extLst>
+      <p:ext uri="{BB962C8B-B14F-4D97-AF65-F5344CB8AC3E}">
+        <p14:creationId xmlns:p14="http://schemas.microsoft.com/office/powerpoint/2010/main" val="1212015790"/>
+      </p:ext>
+    </p:extLst>
+  </p:cSld>
+  <p:clrMapOvr>
+    <a:masterClrMapping/>
+  </p:clrMapOvr>
+</p:sld>
+</file>
+
+<file path=ppt/slides/slide27.xml><?xml version="1.0" encoding="utf-8"?>
+<p:sld xmlns:a="http://schemas.openxmlformats.org/drawingml/2006/main" xmlns:r="http://schemas.openxmlformats.org/officeDocument/2006/relationships" xmlns:p="http://schemas.openxmlformats.org/presentationml/2006/main">
+  <p:cSld>
+    <p:spTree>
+      <p:nvGrpSpPr>
+        <p:cNvPr id="1" name=""/>
+        <p:cNvGrpSpPr/>
+        <p:nvPr/>
+      </p:nvGrpSpPr>
+      <p:grpSpPr>
+        <a:xfrm>
+          <a:off x="0" y="0"/>
+          <a:ext cx="0" cy="0"/>
+          <a:chOff x="0" y="0"/>
+          <a:chExt cx="0" cy="0"/>
+        </a:xfrm>
+      </p:grpSpPr>
+      <p:sp>
+        <p:nvSpPr>
+          <p:cNvPr id="2" name="Title 1">
+            <a:extLst>
+              <a:ext uri="{FF2B5EF4-FFF2-40B4-BE49-F238E27FC236}">
+                <a16:creationId xmlns:a16="http://schemas.microsoft.com/office/drawing/2014/main" id="{4B5D75EB-4BAF-46C0-9BB4-C832C594B4B7}"/>
+              </a:ext>
+            </a:extLst>
+          </p:cNvPr>
+          <p:cNvSpPr>
+            <a:spLocks noGrp="1"/>
+          </p:cNvSpPr>
+          <p:nvPr>
+            <p:ph type="title"/>
+          </p:nvPr>
+        </p:nvSpPr>
+        <p:spPr/>
+        <p:txBody>
+          <a:bodyPr/>
+          <a:lstStyle/>
+          <a:p>
+            <a:r>
+              <a:rPr lang="ro-RO" dirty="0"/>
+              <a:t>Întrebări?</a:t>
+            </a:r>
+            <a:endParaRPr lang="en-US" dirty="0"/>
+          </a:p>
+        </p:txBody>
+      </p:sp>
+    </p:spTree>
+    <p:extLst>
+      <p:ext uri="{BB962C8B-B14F-4D97-AF65-F5344CB8AC3E}">
+        <p14:creationId xmlns:p14="http://schemas.microsoft.com/office/powerpoint/2010/main" val="3106716896"/>
       </p:ext>
     </p:extLst>
   </p:cSld>
@@ -6522,36 +8178,30 @@
           <a:bodyPr/>
           <a:lstStyle/>
           <a:p>
-            <a:endParaRPr lang="en-US"/>
-          </a:p>
-        </p:txBody>
-      </p:sp>
-      <p:sp>
-        <p:nvSpPr>
-          <p:cNvPr id="4" name="Slide Number Placeholder 3">
-            <a:extLst>
-              <a:ext uri="{FF2B5EF4-FFF2-40B4-BE49-F238E27FC236}">
-                <a16:creationId xmlns:a16="http://schemas.microsoft.com/office/drawing/2014/main" id="{8ED396E5-3BCF-463E-A5FE-7A7223BF465F}"/>
-              </a:ext>
-            </a:extLst>
-          </p:cNvPr>
-          <p:cNvSpPr>
-            <a:spLocks noGrp="1"/>
-          </p:cNvSpPr>
-          <p:nvPr>
-            <p:ph type="sldNum" sz="quarter" idx="12"/>
-          </p:nvPr>
-        </p:nvSpPr>
-        <p:spPr/>
-        <p:txBody>
-          <a:bodyPr/>
-          <a:lstStyle/>
-          <a:p>
-            <a:fld id="{27E60190-FECD-4FD7-AB11-4681DEC3614A}" type="slidenum">
-              <a:rPr lang="en-US" smtClean="0"/>
-              <a:t>3</a:t>
-            </a:fld>
-            <a:endParaRPr lang="en-US"/>
+            <a:pPr marL="0" indent="0" algn="just">
+              <a:buNone/>
+            </a:pPr>
+            <a:r>
+              <a:rPr lang="ro-RO" dirty="0"/>
+              <a:t>	Motivația pentru realizarea acestui proiect a venit din întâmpinarea a numeroase neajunsuri în folosirea mijloacelor de transport public, cum ar fi: timpul îndelungat de așteptare în stație, nevoia de a pleca mai devreme de acasă pentru a aloca suficient timp așteptării unui mijloc de transport, și multe altele, toate acestea posibil în condiții nefavorabile, cum ar fi vreme neprielnică.</a:t>
+            </a:r>
+          </a:p>
+          <a:p>
+            <a:pPr marL="0" indent="0" algn="just">
+              <a:buNone/>
+            </a:pPr>
+            <a:r>
+              <a:rPr lang="ro-RO" dirty="0"/>
+              <a:t>	Însă problema principală la care se reduc toate aceste neasjunsuri, este, din punctul meu de vedere faptul că mult timp este irosit doar pentru folosi</a:t>
+            </a:r>
+            <a:r>
+              <a:rPr lang="en-US" dirty="0"/>
+              <a:t> serviciile de transport </a:t>
+            </a:r>
+            <a:r>
+              <a:rPr lang="ro-RO" dirty="0"/>
+              <a:t>în comun.</a:t>
+            </a:r>
           </a:p>
         </p:txBody>
       </p:sp>
@@ -6635,36 +8285,23 @@
           <a:bodyPr/>
           <a:lstStyle/>
           <a:p>
+            <a:pPr marL="0" indent="0" algn="just">
+              <a:buNone/>
+            </a:pPr>
+            <a:r>
+              <a:rPr lang="ro-RO" dirty="0"/>
+              <a:t>	Numeroase soluții există deja cu scopul de a remedia aceste neajunsuri ale serviciilor de transport în comun, fiecare cu o abordare diferită.</a:t>
+            </a:r>
+          </a:p>
+          <a:p>
+            <a:pPr marL="0" indent="0" algn="just">
+              <a:buNone/>
+            </a:pPr>
+            <a:r>
+              <a:rPr lang="ro-RO" dirty="0"/>
+              <a:t>	</a:t>
+            </a:r>
             <a:endParaRPr lang="en-US" dirty="0"/>
-          </a:p>
-        </p:txBody>
-      </p:sp>
-      <p:sp>
-        <p:nvSpPr>
-          <p:cNvPr id="4" name="Slide Number Placeholder 3">
-            <a:extLst>
-              <a:ext uri="{FF2B5EF4-FFF2-40B4-BE49-F238E27FC236}">
-                <a16:creationId xmlns:a16="http://schemas.microsoft.com/office/drawing/2014/main" id="{6361E56C-16EF-4DD9-9E5B-981CA552F303}"/>
-              </a:ext>
-            </a:extLst>
-          </p:cNvPr>
-          <p:cNvSpPr>
-            <a:spLocks noGrp="1"/>
-          </p:cNvSpPr>
-          <p:nvPr>
-            <p:ph type="sldNum" sz="quarter" idx="12"/>
-          </p:nvPr>
-        </p:nvSpPr>
-        <p:spPr/>
-        <p:txBody>
-          <a:bodyPr/>
-          <a:lstStyle/>
-          <a:p>
-            <a:fld id="{27E60190-FECD-4FD7-AB11-4681DEC3614A}" type="slidenum">
-              <a:rPr lang="en-US" smtClean="0"/>
-              <a:t>4</a:t>
-            </a:fld>
-            <a:endParaRPr lang="en-US"/>
           </a:p>
         </p:txBody>
       </p:sp>
@@ -6703,7 +8340,7 @@
           <p:cNvPr id="2" name="Title 1">
             <a:extLst>
               <a:ext uri="{FF2B5EF4-FFF2-40B4-BE49-F238E27FC236}">
-                <a16:creationId xmlns:a16="http://schemas.microsoft.com/office/drawing/2014/main" id="{33FA3528-175E-4F80-8252-EAD555CF24F8}"/>
+                <a16:creationId xmlns:a16="http://schemas.microsoft.com/office/drawing/2014/main" id="{2020A969-89E8-4D0F-9578-DF3022FB9CF8}"/>
               </a:ext>
             </a:extLst>
           </p:cNvPr>
@@ -6721,7 +8358,7 @@
           <a:p>
             <a:r>
               <a:rPr lang="ro-RO" dirty="0"/>
-              <a:t>Descriere</a:t>
+              <a:t>Introducere</a:t>
             </a:r>
             <a:endParaRPr lang="en-US" dirty="0"/>
           </a:p>
@@ -6732,7 +8369,7 @@
           <p:cNvPr id="3" name="Content Placeholder 2">
             <a:extLst>
               <a:ext uri="{FF2B5EF4-FFF2-40B4-BE49-F238E27FC236}">
-                <a16:creationId xmlns:a16="http://schemas.microsoft.com/office/drawing/2014/main" id="{E5C4DA81-4A5D-4B17-BB26-CAB88C97894F}"/>
+                <a16:creationId xmlns:a16="http://schemas.microsoft.com/office/drawing/2014/main" id="{638DF9F8-9733-40DC-A61A-7C7907642559}"/>
               </a:ext>
             </a:extLst>
           </p:cNvPr>
@@ -6748,43 +8385,51 @@
           <a:bodyPr/>
           <a:lstStyle/>
           <a:p>
+            <a:pPr marL="0" indent="0" algn="just">
+              <a:buNone/>
+            </a:pPr>
+            <a:r>
+              <a:rPr lang="ro-RO" dirty="0"/>
+              <a:t>	Numeroase soluții există deja cu scopul de a remedia aceste neajunsuri ale serviciilor de transport în comun, fiecare cu o abordare diferită.</a:t>
+            </a:r>
+          </a:p>
+          <a:p>
+            <a:pPr marL="0" indent="0" algn="just">
+              <a:buNone/>
+            </a:pPr>
+            <a:r>
+              <a:rPr lang="ro-RO" dirty="0"/>
+              <a:t>	Printre</a:t>
+            </a:r>
+            <a:r>
+              <a:rPr lang="en-US" dirty="0"/>
+              <a:t> </a:t>
+            </a:r>
+            <a:r>
+              <a:rPr lang="ro-RO" dirty="0"/>
+              <a:t>acestea</a:t>
+            </a:r>
+            <a:r>
+              <a:rPr lang="en-US" dirty="0"/>
+              <a:t> se num</a:t>
+            </a:r>
+            <a:r>
+              <a:rPr lang="ro-RO" dirty="0"/>
+              <a:t>ără:</a:t>
+            </a:r>
+          </a:p>
+          <a:p>
+            <a:pPr marL="0" indent="0" algn="just">
+              <a:buNone/>
+            </a:pPr>
             <a:endParaRPr lang="en-US" dirty="0"/>
-          </a:p>
-        </p:txBody>
-      </p:sp>
-      <p:sp>
-        <p:nvSpPr>
-          <p:cNvPr id="4" name="Slide Number Placeholder 3">
-            <a:extLst>
-              <a:ext uri="{FF2B5EF4-FFF2-40B4-BE49-F238E27FC236}">
-                <a16:creationId xmlns:a16="http://schemas.microsoft.com/office/drawing/2014/main" id="{65138120-08DC-4991-9E43-D8809539164B}"/>
-              </a:ext>
-            </a:extLst>
-          </p:cNvPr>
-          <p:cNvSpPr>
-            <a:spLocks noGrp="1"/>
-          </p:cNvSpPr>
-          <p:nvPr>
-            <p:ph type="sldNum" sz="quarter" idx="12"/>
-          </p:nvPr>
-        </p:nvSpPr>
-        <p:spPr/>
-        <p:txBody>
-          <a:bodyPr/>
-          <a:lstStyle/>
-          <a:p>
-            <a:fld id="{27E60190-FECD-4FD7-AB11-4681DEC3614A}" type="slidenum">
-              <a:rPr lang="en-US" smtClean="0"/>
-              <a:t>5</a:t>
-            </a:fld>
-            <a:endParaRPr lang="en-US"/>
           </a:p>
         </p:txBody>
       </p:sp>
     </p:spTree>
     <p:extLst>
       <p:ext uri="{BB962C8B-B14F-4D97-AF65-F5344CB8AC3E}">
-        <p14:creationId xmlns:p14="http://schemas.microsoft.com/office/powerpoint/2010/main" val="3088103318"/>
+        <p14:creationId xmlns:p14="http://schemas.microsoft.com/office/powerpoint/2010/main" val="188877560"/>
       </p:ext>
     </p:extLst>
   </p:cSld>
@@ -6816,7 +8461,7 @@
           <p:cNvPr id="2" name="Title 1">
             <a:extLst>
               <a:ext uri="{FF2B5EF4-FFF2-40B4-BE49-F238E27FC236}">
-                <a16:creationId xmlns:a16="http://schemas.microsoft.com/office/drawing/2014/main" id="{DE2C52E7-7354-4FFF-A533-C8597972B717}"/>
+                <a16:creationId xmlns:a16="http://schemas.microsoft.com/office/drawing/2014/main" id="{2020A969-89E8-4D0F-9578-DF3022FB9CF8}"/>
               </a:ext>
             </a:extLst>
           </p:cNvPr>
@@ -6834,7 +8479,7 @@
           <a:p>
             <a:r>
               <a:rPr lang="ro-RO" dirty="0"/>
-              <a:t>Arhitectură</a:t>
+              <a:t>Introducere</a:t>
             </a:r>
             <a:endParaRPr lang="en-US" dirty="0"/>
           </a:p>
@@ -6845,7 +8490,7 @@
           <p:cNvPr id="3" name="Content Placeholder 2">
             <a:extLst>
               <a:ext uri="{FF2B5EF4-FFF2-40B4-BE49-F238E27FC236}">
-                <a16:creationId xmlns:a16="http://schemas.microsoft.com/office/drawing/2014/main" id="{8FDB15DE-48AA-4DA3-B1D1-42EDDF70C60E}"/>
+                <a16:creationId xmlns:a16="http://schemas.microsoft.com/office/drawing/2014/main" id="{638DF9F8-9733-40DC-A61A-7C7907642559}"/>
               </a:ext>
             </a:extLst>
           </p:cNvPr>
@@ -6861,43 +8506,53 @@
           <a:bodyPr/>
           <a:lstStyle/>
           <a:p>
+            <a:pPr marL="0" indent="0" algn="just">
+              <a:buNone/>
+            </a:pPr>
+            <a:r>
+              <a:rPr lang="ro-RO" dirty="0"/>
+              <a:t>	Numeroase soluții există deja cu scopul de a remedia aceste neajunsuri ale serviciilor de transport în comun, fiecare cu o abordare diferită.</a:t>
+            </a:r>
+          </a:p>
+          <a:p>
+            <a:pPr marL="0" indent="0" algn="just">
+              <a:buNone/>
+            </a:pPr>
+            <a:r>
+              <a:rPr lang="ro-RO" dirty="0"/>
+              <a:t>	Printre</a:t>
+            </a:r>
+            <a:r>
+              <a:rPr lang="en-US" dirty="0"/>
+              <a:t> </a:t>
+            </a:r>
+            <a:r>
+              <a:rPr lang="ro-RO" dirty="0"/>
+              <a:t>acestea</a:t>
+            </a:r>
+            <a:r>
+              <a:rPr lang="en-US" dirty="0"/>
+              <a:t> se num</a:t>
+            </a:r>
+            <a:r>
+              <a:rPr lang="ro-RO" dirty="0"/>
+              <a:t>ără:</a:t>
+            </a:r>
+          </a:p>
+          <a:p>
+            <a:pPr lvl="1" algn="just"/>
+            <a:r>
+              <a:rPr lang="ro-RO" dirty="0"/>
+              <a:t>Google Maps</a:t>
+            </a:r>
             <a:endParaRPr lang="en-US" dirty="0"/>
-          </a:p>
-        </p:txBody>
-      </p:sp>
-      <p:sp>
-        <p:nvSpPr>
-          <p:cNvPr id="4" name="Slide Number Placeholder 3">
-            <a:extLst>
-              <a:ext uri="{FF2B5EF4-FFF2-40B4-BE49-F238E27FC236}">
-                <a16:creationId xmlns:a16="http://schemas.microsoft.com/office/drawing/2014/main" id="{F5298551-28E3-4B1C-9330-A07835A1AE23}"/>
-              </a:ext>
-            </a:extLst>
-          </p:cNvPr>
-          <p:cNvSpPr>
-            <a:spLocks noGrp="1"/>
-          </p:cNvSpPr>
-          <p:nvPr>
-            <p:ph type="sldNum" sz="quarter" idx="12"/>
-          </p:nvPr>
-        </p:nvSpPr>
-        <p:spPr/>
-        <p:txBody>
-          <a:bodyPr/>
-          <a:lstStyle/>
-          <a:p>
-            <a:fld id="{27E60190-FECD-4FD7-AB11-4681DEC3614A}" type="slidenum">
-              <a:rPr lang="en-US" smtClean="0"/>
-              <a:t>6</a:t>
-            </a:fld>
-            <a:endParaRPr lang="en-US"/>
           </a:p>
         </p:txBody>
       </p:sp>
     </p:spTree>
     <p:extLst>
       <p:ext uri="{BB962C8B-B14F-4D97-AF65-F5344CB8AC3E}">
-        <p14:creationId xmlns:p14="http://schemas.microsoft.com/office/powerpoint/2010/main" val="3532362493"/>
+        <p14:creationId xmlns:p14="http://schemas.microsoft.com/office/powerpoint/2010/main" val="3044394710"/>
       </p:ext>
     </p:extLst>
   </p:cSld>
@@ -6929,7 +8584,7 @@
           <p:cNvPr id="2" name="Title 1">
             <a:extLst>
               <a:ext uri="{FF2B5EF4-FFF2-40B4-BE49-F238E27FC236}">
-                <a16:creationId xmlns:a16="http://schemas.microsoft.com/office/drawing/2014/main" id="{3EEE3BE0-CA42-4B22-96F9-78BA29B997F0}"/>
+                <a16:creationId xmlns:a16="http://schemas.microsoft.com/office/drawing/2014/main" id="{2020A969-89E8-4D0F-9578-DF3022FB9CF8}"/>
               </a:ext>
             </a:extLst>
           </p:cNvPr>
@@ -6947,7 +8602,7 @@
           <a:p>
             <a:r>
               <a:rPr lang="ro-RO" dirty="0"/>
-              <a:t>Demo</a:t>
+              <a:t>Introducere</a:t>
             </a:r>
             <a:endParaRPr lang="en-US" dirty="0"/>
           </a:p>
@@ -6958,7 +8613,7 @@
           <p:cNvPr id="3" name="Content Placeholder 2">
             <a:extLst>
               <a:ext uri="{FF2B5EF4-FFF2-40B4-BE49-F238E27FC236}">
-                <a16:creationId xmlns:a16="http://schemas.microsoft.com/office/drawing/2014/main" id="{8865D38C-FB25-49CF-92AA-50285F5EA146}"/>
+                <a16:creationId xmlns:a16="http://schemas.microsoft.com/office/drawing/2014/main" id="{638DF9F8-9733-40DC-A61A-7C7907642559}"/>
               </a:ext>
             </a:extLst>
           </p:cNvPr>
@@ -6974,43 +8629,60 @@
           <a:bodyPr/>
           <a:lstStyle/>
           <a:p>
-            <a:endParaRPr lang="en-US"/>
-          </a:p>
-        </p:txBody>
-      </p:sp>
-      <p:sp>
-        <p:nvSpPr>
-          <p:cNvPr id="4" name="Slide Number Placeholder 3">
-            <a:extLst>
-              <a:ext uri="{FF2B5EF4-FFF2-40B4-BE49-F238E27FC236}">
-                <a16:creationId xmlns:a16="http://schemas.microsoft.com/office/drawing/2014/main" id="{43A41637-0700-4EB9-81F6-67F6ADCA0B78}"/>
-              </a:ext>
-            </a:extLst>
-          </p:cNvPr>
-          <p:cNvSpPr>
-            <a:spLocks noGrp="1"/>
-          </p:cNvSpPr>
-          <p:nvPr>
-            <p:ph type="sldNum" sz="quarter" idx="12"/>
-          </p:nvPr>
-        </p:nvSpPr>
-        <p:spPr/>
-        <p:txBody>
-          <a:bodyPr/>
-          <a:lstStyle/>
-          <a:p>
-            <a:fld id="{27E60190-FECD-4FD7-AB11-4681DEC3614A}" type="slidenum">
-              <a:rPr lang="en-US" smtClean="0"/>
-              <a:t>7</a:t>
-            </a:fld>
-            <a:endParaRPr lang="en-US"/>
+            <a:pPr marL="0" indent="0" algn="just">
+              <a:buNone/>
+            </a:pPr>
+            <a:r>
+              <a:rPr lang="ro-RO" dirty="0"/>
+              <a:t>	Numeroase soluții există deja cu scopul de a remedia aceste neajunsuri ale serviciilor de transport în comun, fiecare cu o abordare diferită.</a:t>
+            </a:r>
+          </a:p>
+          <a:p>
+            <a:pPr marL="0" indent="0" algn="just">
+              <a:buNone/>
+            </a:pPr>
+            <a:r>
+              <a:rPr lang="ro-RO" dirty="0"/>
+              <a:t>	Printre</a:t>
+            </a:r>
+            <a:r>
+              <a:rPr lang="en-US" dirty="0"/>
+              <a:t> </a:t>
+            </a:r>
+            <a:r>
+              <a:rPr lang="ro-RO" dirty="0"/>
+              <a:t>acestea</a:t>
+            </a:r>
+            <a:r>
+              <a:rPr lang="en-US" dirty="0"/>
+              <a:t> se num</a:t>
+            </a:r>
+            <a:r>
+              <a:rPr lang="ro-RO" dirty="0"/>
+              <a:t>ără:</a:t>
+            </a:r>
+          </a:p>
+          <a:p>
+            <a:pPr lvl="1" algn="just"/>
+            <a:r>
+              <a:rPr lang="ro-RO" dirty="0"/>
+              <a:t>Google Maps</a:t>
+            </a:r>
+          </a:p>
+          <a:p>
+            <a:pPr lvl="1" algn="just"/>
+            <a:r>
+              <a:rPr lang="ro-RO" dirty="0"/>
+              <a:t>Moovit</a:t>
+            </a:r>
+            <a:endParaRPr lang="en-US" dirty="0"/>
           </a:p>
         </p:txBody>
       </p:sp>
     </p:spTree>
     <p:extLst>
       <p:ext uri="{BB962C8B-B14F-4D97-AF65-F5344CB8AC3E}">
-        <p14:creationId xmlns:p14="http://schemas.microsoft.com/office/powerpoint/2010/main" val="104169642"/>
+        <p14:creationId xmlns:p14="http://schemas.microsoft.com/office/powerpoint/2010/main" val="1602737758"/>
       </p:ext>
     </p:extLst>
   </p:cSld>
@@ -7042,7 +8714,7 @@
           <p:cNvPr id="2" name="Title 1">
             <a:extLst>
               <a:ext uri="{FF2B5EF4-FFF2-40B4-BE49-F238E27FC236}">
-                <a16:creationId xmlns:a16="http://schemas.microsoft.com/office/drawing/2014/main" id="{08F0CEF2-D13E-4EDB-9584-5A03EA153813}"/>
+                <a16:creationId xmlns:a16="http://schemas.microsoft.com/office/drawing/2014/main" id="{2020A969-89E8-4D0F-9578-DF3022FB9CF8}"/>
               </a:ext>
             </a:extLst>
           </p:cNvPr>
@@ -7060,7 +8732,7 @@
           <a:p>
             <a:r>
               <a:rPr lang="ro-RO" dirty="0"/>
-              <a:t>Concluzii</a:t>
+              <a:t>Introducere</a:t>
             </a:r>
             <a:endParaRPr lang="en-US" dirty="0"/>
           </a:p>
@@ -7071,7 +8743,7 @@
           <p:cNvPr id="3" name="Content Placeholder 2">
             <a:extLst>
               <a:ext uri="{FF2B5EF4-FFF2-40B4-BE49-F238E27FC236}">
-                <a16:creationId xmlns:a16="http://schemas.microsoft.com/office/drawing/2014/main" id="{F79DAB53-772C-41BA-BC18-A84E7F0FA187}"/>
+                <a16:creationId xmlns:a16="http://schemas.microsoft.com/office/drawing/2014/main" id="{638DF9F8-9733-40DC-A61A-7C7907642559}"/>
               </a:ext>
             </a:extLst>
           </p:cNvPr>
@@ -7087,43 +8759,67 @@
           <a:bodyPr/>
           <a:lstStyle/>
           <a:p>
-            <a:endParaRPr lang="en-US"/>
-          </a:p>
-        </p:txBody>
-      </p:sp>
-      <p:sp>
-        <p:nvSpPr>
-          <p:cNvPr id="4" name="Slide Number Placeholder 3">
-            <a:extLst>
-              <a:ext uri="{FF2B5EF4-FFF2-40B4-BE49-F238E27FC236}">
-                <a16:creationId xmlns:a16="http://schemas.microsoft.com/office/drawing/2014/main" id="{12E88F60-52AC-4625-BA47-01556A14E064}"/>
-              </a:ext>
-            </a:extLst>
-          </p:cNvPr>
-          <p:cNvSpPr>
-            <a:spLocks noGrp="1"/>
-          </p:cNvSpPr>
-          <p:nvPr>
-            <p:ph type="sldNum" sz="quarter" idx="12"/>
-          </p:nvPr>
-        </p:nvSpPr>
-        <p:spPr/>
-        <p:txBody>
-          <a:bodyPr/>
-          <a:lstStyle/>
-          <a:p>
-            <a:fld id="{27E60190-FECD-4FD7-AB11-4681DEC3614A}" type="slidenum">
-              <a:rPr lang="en-US" smtClean="0"/>
-              <a:t>8</a:t>
-            </a:fld>
-            <a:endParaRPr lang="en-US"/>
+            <a:pPr marL="0" indent="0" algn="just">
+              <a:buNone/>
+            </a:pPr>
+            <a:r>
+              <a:rPr lang="ro-RO" dirty="0"/>
+              <a:t>	Numeroase soluții există deja cu scopul de a remedia aceste neajunsuri ale serviciilor de transport în comun, fiecare cu o abordare diferită.</a:t>
+            </a:r>
+          </a:p>
+          <a:p>
+            <a:pPr marL="0" indent="0" algn="just">
+              <a:buNone/>
+            </a:pPr>
+            <a:r>
+              <a:rPr lang="ro-RO" dirty="0"/>
+              <a:t>	Printre</a:t>
+            </a:r>
+            <a:r>
+              <a:rPr lang="en-US" dirty="0"/>
+              <a:t> </a:t>
+            </a:r>
+            <a:r>
+              <a:rPr lang="ro-RO" dirty="0"/>
+              <a:t>acestea</a:t>
+            </a:r>
+            <a:r>
+              <a:rPr lang="en-US" dirty="0"/>
+              <a:t> se num</a:t>
+            </a:r>
+            <a:r>
+              <a:rPr lang="ro-RO" dirty="0"/>
+              <a:t>ără:</a:t>
+            </a:r>
+          </a:p>
+          <a:p>
+            <a:pPr lvl="1" algn="just"/>
+            <a:r>
+              <a:rPr lang="ro-RO" dirty="0"/>
+              <a:t>Google Maps</a:t>
+            </a:r>
+          </a:p>
+          <a:p>
+            <a:pPr lvl="1" algn="just"/>
+            <a:r>
+              <a:rPr lang="ro-RO" dirty="0"/>
+              <a:t>Moovit</a:t>
+            </a:r>
+          </a:p>
+          <a:p>
+            <a:pPr lvl="1" algn="just"/>
+            <a:r>
+              <a:rPr lang="ro-RO" dirty="0"/>
+              <a:t>HEREITIS</a:t>
+            </a:r>
+            <a:endParaRPr lang="en-US" dirty="0"/>
           </a:p>
         </p:txBody>
       </p:sp>
     </p:spTree>
     <p:extLst>
       <p:ext uri="{BB962C8B-B14F-4D97-AF65-F5344CB8AC3E}">
-        <p14:creationId xmlns:p14="http://schemas.microsoft.com/office/powerpoint/2010/main" val="1212015790"/>
+        <p14:creationId xmlns:p14="http://schemas.microsoft.com/office/powerpoint/2010/main" val="2187740135"/>
       </p:ext>
     </p:extLst>
   </p:cSld>
@@ -7155,7 +8851,7 @@
           <p:cNvPr id="2" name="Title 1">
             <a:extLst>
               <a:ext uri="{FF2B5EF4-FFF2-40B4-BE49-F238E27FC236}">
-                <a16:creationId xmlns:a16="http://schemas.microsoft.com/office/drawing/2014/main" id="{4B5D75EB-4BAF-46C0-9BB4-C832C594B4B7}"/>
+                <a16:creationId xmlns:a16="http://schemas.microsoft.com/office/drawing/2014/main" id="{2020A969-89E8-4D0F-9578-DF3022FB9CF8}"/>
               </a:ext>
             </a:extLst>
           </p:cNvPr>
@@ -7173,7 +8869,7 @@
           <a:p>
             <a:r>
               <a:rPr lang="ro-RO" dirty="0"/>
-              <a:t>Q&amp;A</a:t>
+              <a:t>Introducere</a:t>
             </a:r>
             <a:endParaRPr lang="en-US" dirty="0"/>
           </a:p>
@@ -7184,7 +8880,7 @@
           <p:cNvPr id="3" name="Content Placeholder 2">
             <a:extLst>
               <a:ext uri="{FF2B5EF4-FFF2-40B4-BE49-F238E27FC236}">
-                <a16:creationId xmlns:a16="http://schemas.microsoft.com/office/drawing/2014/main" id="{B266A05C-4450-4EFF-AB56-BFEAA6C0A7F5}"/>
+                <a16:creationId xmlns:a16="http://schemas.microsoft.com/office/drawing/2014/main" id="{638DF9F8-9733-40DC-A61A-7C7907642559}"/>
               </a:ext>
             </a:extLst>
           </p:cNvPr>
@@ -7200,43 +8896,74 @@
           <a:bodyPr/>
           <a:lstStyle/>
           <a:p>
-            <a:endParaRPr lang="en-US"/>
-          </a:p>
-        </p:txBody>
-      </p:sp>
-      <p:sp>
-        <p:nvSpPr>
-          <p:cNvPr id="4" name="Slide Number Placeholder 3">
-            <a:extLst>
-              <a:ext uri="{FF2B5EF4-FFF2-40B4-BE49-F238E27FC236}">
-                <a16:creationId xmlns:a16="http://schemas.microsoft.com/office/drawing/2014/main" id="{231258D0-EA0A-468D-B31C-9DB3366DB12D}"/>
-              </a:ext>
-            </a:extLst>
-          </p:cNvPr>
-          <p:cNvSpPr>
-            <a:spLocks noGrp="1"/>
-          </p:cNvSpPr>
-          <p:nvPr>
-            <p:ph type="sldNum" sz="quarter" idx="12"/>
-          </p:nvPr>
-        </p:nvSpPr>
-        <p:spPr/>
-        <p:txBody>
-          <a:bodyPr/>
-          <a:lstStyle/>
-          <a:p>
-            <a:fld id="{27E60190-FECD-4FD7-AB11-4681DEC3614A}" type="slidenum">
-              <a:rPr lang="en-US" smtClean="0"/>
-              <a:t>9</a:t>
-            </a:fld>
-            <a:endParaRPr lang="en-US"/>
+            <a:pPr marL="0" indent="0" algn="just">
+              <a:buNone/>
+            </a:pPr>
+            <a:r>
+              <a:rPr lang="ro-RO" dirty="0"/>
+              <a:t>	Numeroase soluții există deja cu scopul de a remedia aceste neajunsuri ale serviciilor de transport în comun, fiecare cu o abordare diferită.</a:t>
+            </a:r>
+          </a:p>
+          <a:p>
+            <a:pPr marL="0" indent="0" algn="just">
+              <a:buNone/>
+            </a:pPr>
+            <a:r>
+              <a:rPr lang="ro-RO" dirty="0"/>
+              <a:t>	Printre</a:t>
+            </a:r>
+            <a:r>
+              <a:rPr lang="en-US" dirty="0"/>
+              <a:t> </a:t>
+            </a:r>
+            <a:r>
+              <a:rPr lang="ro-RO" dirty="0"/>
+              <a:t>acestea</a:t>
+            </a:r>
+            <a:r>
+              <a:rPr lang="en-US" dirty="0"/>
+              <a:t> se num</a:t>
+            </a:r>
+            <a:r>
+              <a:rPr lang="ro-RO" dirty="0"/>
+              <a:t>ără:</a:t>
+            </a:r>
+          </a:p>
+          <a:p>
+            <a:pPr lvl="1" algn="just"/>
+            <a:r>
+              <a:rPr lang="ro-RO" dirty="0"/>
+              <a:t>Google Maps</a:t>
+            </a:r>
+          </a:p>
+          <a:p>
+            <a:pPr lvl="1" algn="just"/>
+            <a:r>
+              <a:rPr lang="ro-RO" dirty="0"/>
+              <a:t>Moovit</a:t>
+            </a:r>
+          </a:p>
+          <a:p>
+            <a:pPr lvl="1" algn="just"/>
+            <a:r>
+              <a:rPr lang="ro-RO" dirty="0"/>
+              <a:t>HEREITIS</a:t>
+            </a:r>
+          </a:p>
+          <a:p>
+            <a:pPr lvl="1" algn="just"/>
+            <a:r>
+              <a:rPr lang="ro-RO" dirty="0"/>
+              <a:t>Etc.</a:t>
+            </a:r>
+            <a:endParaRPr lang="en-US" dirty="0"/>
           </a:p>
         </p:txBody>
       </p:sp>
     </p:spTree>
     <p:extLst>
       <p:ext uri="{BB962C8B-B14F-4D97-AF65-F5344CB8AC3E}">
-        <p14:creationId xmlns:p14="http://schemas.microsoft.com/office/powerpoint/2010/main" val="3106716896"/>
+        <p14:creationId xmlns:p14="http://schemas.microsoft.com/office/powerpoint/2010/main" val="203294116"/>
       </p:ext>
     </p:extLst>
   </p:cSld>
@@ -7501,299 +9228,4 @@
     </a:ext>
   </a:extLst>
 </a:theme>
-</file>
-
-<file path=ppt/theme/theme2.xml><?xml version="1.0" encoding="utf-8"?>
-<a:theme xmlns:a="http://schemas.openxmlformats.org/drawingml/2006/main" name="Office Theme">
-  <a:themeElements>
-    <a:clrScheme name="Office">
-      <a:dk1>
-        <a:sysClr val="windowText" lastClr="000000"/>
-      </a:dk1>
-      <a:lt1>
-        <a:sysClr val="window" lastClr="FFFFFF"/>
-      </a:lt1>
-      <a:dk2>
-        <a:srgbClr val="44546A"/>
-      </a:dk2>
-      <a:lt2>
-        <a:srgbClr val="E7E6E6"/>
-      </a:lt2>
-      <a:accent1>
-        <a:srgbClr val="4472C4"/>
-      </a:accent1>
-      <a:accent2>
-        <a:srgbClr val="ED7D31"/>
-      </a:accent2>
-      <a:accent3>
-        <a:srgbClr val="A5A5A5"/>
-      </a:accent3>
-      <a:accent4>
-        <a:srgbClr val="FFC000"/>
-      </a:accent4>
-      <a:accent5>
-        <a:srgbClr val="5B9BD5"/>
-      </a:accent5>
-      <a:accent6>
-        <a:srgbClr val="70AD47"/>
-      </a:accent6>
-      <a:hlink>
-        <a:srgbClr val="0563C1"/>
-      </a:hlink>
-      <a:folHlink>
-        <a:srgbClr val="954F72"/>
-      </a:folHlink>
-    </a:clrScheme>
-    <a:fontScheme name="Office">
-      <a:majorFont>
-        <a:latin typeface="Calibri Light" panose="020F0302020204030204"/>
-        <a:ea typeface=""/>
-        <a:cs typeface=""/>
-        <a:font script="Jpan" typeface="游ゴシック Light"/>
-        <a:font script="Hang" typeface="맑은 고딕"/>
-        <a:font script="Hans" typeface="等线 Light"/>
-        <a:font script="Hant" typeface="新細明體"/>
-        <a:font script="Arab" typeface="Times New Roman"/>
-        <a:font script="Hebr" typeface="Times New Roman"/>
-        <a:font script="Thai" typeface="Angsana New"/>
-        <a:font script="Ethi" typeface="Nyala"/>
-        <a:font script="Beng" typeface="Vrinda"/>
-        <a:font script="Gujr" typeface="Shruti"/>
-        <a:font script="Khmr" typeface="MoolBoran"/>
-        <a:font script="Knda" typeface="Tunga"/>
-        <a:font script="Guru" typeface="Raavi"/>
-        <a:font script="Cans" typeface="Euphemia"/>
-        <a:font script="Cher" typeface="Plantagenet Cherokee"/>
-        <a:font script="Yiii" typeface="Microsoft Yi Baiti"/>
-        <a:font script="Tibt" typeface="Microsoft Himalaya"/>
-        <a:font script="Thaa" typeface="MV Boli"/>
-        <a:font script="Deva" typeface="Mangal"/>
-        <a:font script="Telu" typeface="Gautami"/>
-        <a:font script="Taml" typeface="Latha"/>
-        <a:font script="Syrc" typeface="Estrangelo Edessa"/>
-        <a:font script="Orya" typeface="Kalinga"/>
-        <a:font script="Mlym" typeface="Kartika"/>
-        <a:font script="Laoo" typeface="DokChampa"/>
-        <a:font script="Sinh" typeface="Iskoola Pota"/>
-        <a:font script="Mong" typeface="Mongolian Baiti"/>
-        <a:font script="Viet" typeface="Times New Roman"/>
-        <a:font script="Uigh" typeface="Microsoft Uighur"/>
-        <a:font script="Geor" typeface="Sylfaen"/>
-        <a:font script="Armn" typeface="Arial"/>
-        <a:font script="Bugi" typeface="Leelawadee UI"/>
-        <a:font script="Bopo" typeface="Microsoft JhengHei"/>
-        <a:font script="Java" typeface="Javanese Text"/>
-        <a:font script="Lisu" typeface="Segoe UI"/>
-        <a:font script="Mymr" typeface="Myanmar Text"/>
-        <a:font script="Nkoo" typeface="Ebrima"/>
-        <a:font script="Olck" typeface="Nirmala UI"/>
-        <a:font script="Osma" typeface="Ebrima"/>
-        <a:font script="Phag" typeface="Phagspa"/>
-        <a:font script="Syrn" typeface="Estrangelo Edessa"/>
-        <a:font script="Syrj" typeface="Estrangelo Edessa"/>
-        <a:font script="Syre" typeface="Estrangelo Edessa"/>
-        <a:font script="Sora" typeface="Nirmala UI"/>
-        <a:font script="Tale" typeface="Microsoft Tai Le"/>
-        <a:font script="Talu" typeface="Microsoft New Tai Lue"/>
-        <a:font script="Tfng" typeface="Ebrima"/>
-      </a:majorFont>
-      <a:minorFont>
-        <a:latin typeface="Calibri" panose="020F0502020204030204"/>
-        <a:ea typeface=""/>
-        <a:cs typeface=""/>
-        <a:font script="Jpan" typeface="游ゴシック"/>
-        <a:font script="Hang" typeface="맑은 고딕"/>
-        <a:font script="Hans" typeface="等线"/>
-        <a:font script="Hant" typeface="新細明體"/>
-        <a:font script="Arab" typeface="Arial"/>
-        <a:font script="Hebr" typeface="Arial"/>
-        <a:font script="Thai" typeface="Cordia New"/>
-        <a:font script="Ethi" typeface="Nyala"/>
-        <a:font script="Beng" typeface="Vrinda"/>
-        <a:font script="Gujr" typeface="Shruti"/>
-        <a:font script="Khmr" typeface="DaunPenh"/>
-        <a:font script="Knda" typeface="Tunga"/>
-        <a:font script="Guru" typeface="Raavi"/>
-        <a:font script="Cans" typeface="Euphemia"/>
-        <a:font script="Cher" typeface="Plantagenet Cherokee"/>
-        <a:font script="Yiii" typeface="Microsoft Yi Baiti"/>
-        <a:font script="Tibt" typeface="Microsoft Himalaya"/>
-        <a:font script="Thaa" typeface="MV Boli"/>
-        <a:font script="Deva" typeface="Mangal"/>
-        <a:font script="Telu" typeface="Gautami"/>
-        <a:font script="Taml" typeface="Latha"/>
-        <a:font script="Syrc" typeface="Estrangelo Edessa"/>
-        <a:font script="Orya" typeface="Kalinga"/>
-        <a:font script="Mlym" typeface="Kartika"/>
-        <a:font script="Laoo" typeface="DokChampa"/>
-        <a:font script="Sinh" typeface="Iskoola Pota"/>
-        <a:font script="Mong" typeface="Mongolian Baiti"/>
-        <a:font script="Viet" typeface="Arial"/>
-        <a:font script="Uigh" typeface="Microsoft Uighur"/>
-        <a:font script="Geor" typeface="Sylfaen"/>
-        <a:font script="Armn" typeface="Arial"/>
-        <a:font script="Bugi" typeface="Leelawadee UI"/>
-        <a:font script="Bopo" typeface="Microsoft JhengHei"/>
-        <a:font script="Java" typeface="Javanese Text"/>
-        <a:font script="Lisu" typeface="Segoe UI"/>
-        <a:font script="Mymr" typeface="Myanmar Text"/>
-        <a:font script="Nkoo" typeface="Ebrima"/>
-        <a:font script="Olck" typeface="Nirmala UI"/>
-        <a:font script="Osma" typeface="Ebrima"/>
-        <a:font script="Phag" typeface="Phagspa"/>
-        <a:font script="Syrn" typeface="Estrangelo Edessa"/>
-        <a:font script="Syrj" typeface="Estrangelo Edessa"/>
-        <a:font script="Syre" typeface="Estrangelo Edessa"/>
-        <a:font script="Sora" typeface="Nirmala UI"/>
-        <a:font script="Tale" typeface="Microsoft Tai Le"/>
-        <a:font script="Talu" typeface="Microsoft New Tai Lue"/>
-        <a:font script="Tfng" typeface="Ebrima"/>
-      </a:minorFont>
-    </a:fontScheme>
-    <a:fmtScheme name="Office">
-      <a:fillStyleLst>
-        <a:solidFill>
-          <a:schemeClr val="phClr"/>
-        </a:solidFill>
-        <a:gradFill rotWithShape="1">
-          <a:gsLst>
-            <a:gs pos="0">
-              <a:schemeClr val="phClr">
-                <a:lumMod val="110000"/>
-                <a:satMod val="105000"/>
-                <a:tint val="67000"/>
-              </a:schemeClr>
-            </a:gs>
-            <a:gs pos="50000">
-              <a:schemeClr val="phClr">
-                <a:lumMod val="105000"/>
-                <a:satMod val="103000"/>
-                <a:tint val="73000"/>
-              </a:schemeClr>
-            </a:gs>
-            <a:gs pos="100000">
-              <a:schemeClr val="phClr">
-                <a:lumMod val="105000"/>
-                <a:satMod val="109000"/>
-                <a:tint val="81000"/>
-              </a:schemeClr>
-            </a:gs>
-          </a:gsLst>
-          <a:lin ang="5400000" scaled="0"/>
-        </a:gradFill>
-        <a:gradFill rotWithShape="1">
-          <a:gsLst>
-            <a:gs pos="0">
-              <a:schemeClr val="phClr">
-                <a:satMod val="103000"/>
-                <a:lumMod val="102000"/>
-                <a:tint val="94000"/>
-              </a:schemeClr>
-            </a:gs>
-            <a:gs pos="50000">
-              <a:schemeClr val="phClr">
-                <a:satMod val="110000"/>
-                <a:lumMod val="100000"/>
-                <a:shade val="100000"/>
-              </a:schemeClr>
-            </a:gs>
-            <a:gs pos="100000">
-              <a:schemeClr val="phClr">
-                <a:lumMod val="99000"/>
-                <a:satMod val="120000"/>
-                <a:shade val="78000"/>
-              </a:schemeClr>
-            </a:gs>
-          </a:gsLst>
-          <a:lin ang="5400000" scaled="0"/>
-        </a:gradFill>
-      </a:fillStyleLst>
-      <a:lnStyleLst>
-        <a:ln w="6350" cap="flat" cmpd="sng" algn="ctr">
-          <a:solidFill>
-            <a:schemeClr val="phClr"/>
-          </a:solidFill>
-          <a:prstDash val="solid"/>
-          <a:miter lim="800000"/>
-        </a:ln>
-        <a:ln w="12700" cap="flat" cmpd="sng" algn="ctr">
-          <a:solidFill>
-            <a:schemeClr val="phClr"/>
-          </a:solidFill>
-          <a:prstDash val="solid"/>
-          <a:miter lim="800000"/>
-        </a:ln>
-        <a:ln w="19050" cap="flat" cmpd="sng" algn="ctr">
-          <a:solidFill>
-            <a:schemeClr val="phClr"/>
-          </a:solidFill>
-          <a:prstDash val="solid"/>
-          <a:miter lim="800000"/>
-        </a:ln>
-      </a:lnStyleLst>
-      <a:effectStyleLst>
-        <a:effectStyle>
-          <a:effectLst/>
-        </a:effectStyle>
-        <a:effectStyle>
-          <a:effectLst/>
-        </a:effectStyle>
-        <a:effectStyle>
-          <a:effectLst>
-            <a:outerShdw blurRad="57150" dist="19050" dir="5400000" algn="ctr" rotWithShape="0">
-              <a:srgbClr val="000000">
-                <a:alpha val="63000"/>
-              </a:srgbClr>
-            </a:outerShdw>
-          </a:effectLst>
-        </a:effectStyle>
-      </a:effectStyleLst>
-      <a:bgFillStyleLst>
-        <a:solidFill>
-          <a:schemeClr val="phClr"/>
-        </a:solidFill>
-        <a:solidFill>
-          <a:schemeClr val="phClr">
-            <a:tint val="95000"/>
-            <a:satMod val="170000"/>
-          </a:schemeClr>
-        </a:solidFill>
-        <a:gradFill rotWithShape="1">
-          <a:gsLst>
-            <a:gs pos="0">
-              <a:schemeClr val="phClr">
-                <a:tint val="93000"/>
-                <a:satMod val="150000"/>
-                <a:shade val="98000"/>
-                <a:lumMod val="102000"/>
-              </a:schemeClr>
-            </a:gs>
-            <a:gs pos="50000">
-              <a:schemeClr val="phClr">
-                <a:tint val="98000"/>
-                <a:satMod val="130000"/>
-                <a:shade val="90000"/>
-                <a:lumMod val="103000"/>
-              </a:schemeClr>
-            </a:gs>
-            <a:gs pos="100000">
-              <a:schemeClr val="phClr">
-                <a:shade val="63000"/>
-                <a:satMod val="120000"/>
-              </a:schemeClr>
-            </a:gs>
-          </a:gsLst>
-          <a:lin ang="5400000" scaled="0"/>
-        </a:gradFill>
-      </a:bgFillStyleLst>
-    </a:fmtScheme>
-  </a:themeElements>
-  <a:objectDefaults/>
-  <a:extraClrSchemeLst/>
-  <a:extLst>
-    <a:ext uri="{05A4C25C-085E-4340-85A3-A5531E510DB2}">
-      <thm15:themeFamily xmlns:thm15="http://schemas.microsoft.com/office/thememl/2012/main" name="Office Theme" id="{62F939B6-93AF-4DB8-9C6B-D6C7DFDC589F}" vid="{4A3C46E8-61CC-4603-A589-7422A47A8E4A}"/>
-    </a:ext>
-  </a:extLst>
-</a:theme>
 </file>